--- a/Presentaciones/1 Tablas.pptx
+++ b/Presentaciones/1 Tablas.pptx
@@ -5,56 +5,57 @@
     <p:sldMasterId id="2147483672" r:id="rId4"/>
   </p:sldMasterIdLst>
   <p:handoutMasterIdLst>
-    <p:handoutMasterId r:id="rId52"/>
+    <p:handoutMasterId r:id="rId53"/>
   </p:handoutMasterIdLst>
   <p:sldIdLst>
-    <p:sldId id="256" r:id="rId5"/>
-    <p:sldId id="257" r:id="rId6"/>
-    <p:sldId id="286" r:id="rId7"/>
-    <p:sldId id="284" r:id="rId8"/>
-    <p:sldId id="305" r:id="rId9"/>
-    <p:sldId id="306" r:id="rId10"/>
-    <p:sldId id="307" r:id="rId11"/>
-    <p:sldId id="301" r:id="rId12"/>
-    <p:sldId id="302" r:id="rId13"/>
-    <p:sldId id="303" r:id="rId14"/>
-    <p:sldId id="304" r:id="rId15"/>
-    <p:sldId id="285" r:id="rId16"/>
-    <p:sldId id="291" r:id="rId17"/>
-    <p:sldId id="290" r:id="rId18"/>
-    <p:sldId id="292" r:id="rId19"/>
-    <p:sldId id="308" r:id="rId20"/>
-    <p:sldId id="295" r:id="rId21"/>
-    <p:sldId id="299" r:id="rId22"/>
-    <p:sldId id="300" r:id="rId23"/>
-    <p:sldId id="293" r:id="rId24"/>
-    <p:sldId id="289" r:id="rId25"/>
-    <p:sldId id="294" r:id="rId26"/>
-    <p:sldId id="288" r:id="rId27"/>
-    <p:sldId id="287" r:id="rId28"/>
-    <p:sldId id="296" r:id="rId29"/>
-    <p:sldId id="297" r:id="rId30"/>
-    <p:sldId id="298" r:id="rId31"/>
-    <p:sldId id="309" r:id="rId32"/>
-    <p:sldId id="311" r:id="rId33"/>
-    <p:sldId id="313" r:id="rId34"/>
-    <p:sldId id="314" r:id="rId35"/>
-    <p:sldId id="310" r:id="rId36"/>
-    <p:sldId id="315" r:id="rId37"/>
-    <p:sldId id="316" r:id="rId38"/>
-    <p:sldId id="312" r:id="rId39"/>
-    <p:sldId id="317" r:id="rId40"/>
-    <p:sldId id="318" r:id="rId41"/>
-    <p:sldId id="319" r:id="rId42"/>
-    <p:sldId id="320" r:id="rId43"/>
-    <p:sldId id="321" r:id="rId44"/>
-    <p:sldId id="322" r:id="rId45"/>
-    <p:sldId id="323" r:id="rId46"/>
-    <p:sldId id="324" r:id="rId47"/>
-    <p:sldId id="328" r:id="rId48"/>
-    <p:sldId id="327" r:id="rId49"/>
-    <p:sldId id="325" r:id="rId50"/>
-    <p:sldId id="326" r:id="rId51"/>
+    <p:sldId id="329" r:id="rId5"/>
+    <p:sldId id="256" r:id="rId6"/>
+    <p:sldId id="257" r:id="rId7"/>
+    <p:sldId id="286" r:id="rId8"/>
+    <p:sldId id="284" r:id="rId9"/>
+    <p:sldId id="305" r:id="rId10"/>
+    <p:sldId id="306" r:id="rId11"/>
+    <p:sldId id="307" r:id="rId12"/>
+    <p:sldId id="301" r:id="rId13"/>
+    <p:sldId id="302" r:id="rId14"/>
+    <p:sldId id="303" r:id="rId15"/>
+    <p:sldId id="304" r:id="rId16"/>
+    <p:sldId id="285" r:id="rId17"/>
+    <p:sldId id="291" r:id="rId18"/>
+    <p:sldId id="290" r:id="rId19"/>
+    <p:sldId id="292" r:id="rId20"/>
+    <p:sldId id="308" r:id="rId21"/>
+    <p:sldId id="295" r:id="rId22"/>
+    <p:sldId id="299" r:id="rId23"/>
+    <p:sldId id="300" r:id="rId24"/>
+    <p:sldId id="293" r:id="rId25"/>
+    <p:sldId id="289" r:id="rId26"/>
+    <p:sldId id="294" r:id="rId27"/>
+    <p:sldId id="288" r:id="rId28"/>
+    <p:sldId id="287" r:id="rId29"/>
+    <p:sldId id="296" r:id="rId30"/>
+    <p:sldId id="297" r:id="rId31"/>
+    <p:sldId id="298" r:id="rId32"/>
+    <p:sldId id="309" r:id="rId33"/>
+    <p:sldId id="311" r:id="rId34"/>
+    <p:sldId id="313" r:id="rId35"/>
+    <p:sldId id="314" r:id="rId36"/>
+    <p:sldId id="310" r:id="rId37"/>
+    <p:sldId id="315" r:id="rId38"/>
+    <p:sldId id="316" r:id="rId39"/>
+    <p:sldId id="312" r:id="rId40"/>
+    <p:sldId id="317" r:id="rId41"/>
+    <p:sldId id="318" r:id="rId42"/>
+    <p:sldId id="319" r:id="rId43"/>
+    <p:sldId id="320" r:id="rId44"/>
+    <p:sldId id="321" r:id="rId45"/>
+    <p:sldId id="322" r:id="rId46"/>
+    <p:sldId id="323" r:id="rId47"/>
+    <p:sldId id="324" r:id="rId48"/>
+    <p:sldId id="328" r:id="rId49"/>
+    <p:sldId id="327" r:id="rId50"/>
+    <p:sldId id="325" r:id="rId51"/>
+    <p:sldId id="326" r:id="rId52"/>
   </p:sldIdLst>
   <p:sldSz cx="12192000" cy="6858000"/>
   <p:notesSz cx="10021888" cy="6889750"/>
@@ -231,6 +232,54 @@
             <ac:spMk id="8" creationId="{86CFBEFD-BBF5-97D1-49BC-21B62AC162F3}"/>
           </ac:spMkLst>
         </pc:spChg>
+      </pc:sldChg>
+    </pc:docChg>
+  </pc:docChgLst>
+  <pc:docChgLst>
+    <pc:chgData name="dataXbi dataXbi" userId="40ca6edd-13bc-4aa9-915f-b5699626d65b" providerId="ADAL" clId="{70B80AC1-28A0-4F1C-AFAE-BD3DEDE746A6}"/>
+    <pc:docChg chg="custSel addSld modSld sldOrd">
+      <pc:chgData name="dataXbi dataXbi" userId="40ca6edd-13bc-4aa9-915f-b5699626d65b" providerId="ADAL" clId="{70B80AC1-28A0-4F1C-AFAE-BD3DEDE746A6}" dt="2022-09-26T13:45:48.001" v="16" actId="26606"/>
+      <pc:docMkLst>
+        <pc:docMk/>
+      </pc:docMkLst>
+      <pc:sldChg chg="addSp modSp new mod ord setBg">
+        <pc:chgData name="dataXbi dataXbi" userId="40ca6edd-13bc-4aa9-915f-b5699626d65b" providerId="ADAL" clId="{70B80AC1-28A0-4F1C-AFAE-BD3DEDE746A6}" dt="2022-09-26T13:45:48.001" v="16" actId="26606"/>
+        <pc:sldMkLst>
+          <pc:docMk/>
+          <pc:sldMk cId="842110036" sldId="329"/>
+        </pc:sldMkLst>
+        <pc:spChg chg="mod">
+          <ac:chgData name="dataXbi dataXbi" userId="40ca6edd-13bc-4aa9-915f-b5699626d65b" providerId="ADAL" clId="{70B80AC1-28A0-4F1C-AFAE-BD3DEDE746A6}" dt="2022-09-26T13:45:48.001" v="16" actId="26606"/>
+          <ac:spMkLst>
+            <pc:docMk/>
+            <pc:sldMk cId="842110036" sldId="329"/>
+            <ac:spMk id="2" creationId="{8CD29624-60A9-0B5F-0EA5-01EB308204B8}"/>
+          </ac:spMkLst>
+        </pc:spChg>
+        <pc:spChg chg="mod">
+          <ac:chgData name="dataXbi dataXbi" userId="40ca6edd-13bc-4aa9-915f-b5699626d65b" providerId="ADAL" clId="{70B80AC1-28A0-4F1C-AFAE-BD3DEDE746A6}" dt="2022-09-26T13:45:48.001" v="16" actId="26606"/>
+          <ac:spMkLst>
+            <pc:docMk/>
+            <pc:sldMk cId="842110036" sldId="329"/>
+            <ac:spMk id="3" creationId="{63C8CABC-7EAF-3ADD-6558-70C168F52AE4}"/>
+          </ac:spMkLst>
+        </pc:spChg>
+        <pc:spChg chg="add">
+          <ac:chgData name="dataXbi dataXbi" userId="40ca6edd-13bc-4aa9-915f-b5699626d65b" providerId="ADAL" clId="{70B80AC1-28A0-4F1C-AFAE-BD3DEDE746A6}" dt="2022-09-26T13:45:48.001" v="16" actId="26606"/>
+          <ac:spMkLst>
+            <pc:docMk/>
+            <pc:sldMk cId="842110036" sldId="329"/>
+            <ac:spMk id="9" creationId="{E51BA4DF-2BD4-4EC2-B1DB-B27C8AC71864}"/>
+          </ac:spMkLst>
+        </pc:spChg>
+        <pc:picChg chg="add">
+          <ac:chgData name="dataXbi dataXbi" userId="40ca6edd-13bc-4aa9-915f-b5699626d65b" providerId="ADAL" clId="{70B80AC1-28A0-4F1C-AFAE-BD3DEDE746A6}" dt="2022-09-26T13:45:48.001" v="16" actId="26606"/>
+          <ac:picMkLst>
+            <pc:docMk/>
+            <pc:sldMk cId="842110036" sldId="329"/>
+            <ac:picMk id="5" creationId="{6CCA4DD2-18D2-9D5F-53DA-6E025D0E0C09}"/>
+          </ac:picMkLst>
+        </pc:picChg>
       </pc:sldChg>
     </pc:docChg>
   </pc:docChgLst>
@@ -4141,10 +4190,10 @@
         <a:lstStyle/>
         <a:p>
           <a:r>
-            <a:rPr lang="es-ES"/>
+            <a:rPr lang="es-ES" dirty="0"/>
             <a:t>Reglas para resaltar celdas </a:t>
           </a:r>
-          <a:endParaRPr lang="en-US"/>
+          <a:endParaRPr lang="en-US" dirty="0"/>
         </a:p>
       </dgm:t>
     </dgm:pt>
@@ -4178,10 +4227,10 @@
         <a:lstStyle/>
         <a:p>
           <a:r>
-            <a:rPr lang="es-ES"/>
+            <a:rPr lang="es-ES" dirty="0"/>
             <a:t>Administrar reglas </a:t>
           </a:r>
-          <a:endParaRPr lang="en-US"/>
+          <a:endParaRPr lang="en-US" dirty="0"/>
         </a:p>
       </dgm:t>
     </dgm:pt>
@@ -4618,10 +4667,10 @@
         <a:lstStyle/>
         <a:p>
           <a:r>
-            <a:rPr lang="es-ES"/>
+            <a:rPr lang="es-ES" dirty="0"/>
             <a:t>Crear una regla de filtrado</a:t>
           </a:r>
-          <a:endParaRPr lang="en-US"/>
+          <a:endParaRPr lang="en-US" dirty="0"/>
         </a:p>
       </dgm:t>
     </dgm:pt>
@@ -4655,10 +4704,10 @@
         <a:lstStyle/>
         <a:p>
           <a:r>
-            <a:rPr lang="es-ES"/>
+            <a:rPr lang="es-ES" dirty="0"/>
             <a:t>Filtrado de datos con un filtro de búsqueda</a:t>
           </a:r>
-          <a:endParaRPr lang="en-US"/>
+          <a:endParaRPr lang="en-US" dirty="0"/>
         </a:p>
       </dgm:t>
     </dgm:pt>
@@ -6448,10 +6497,10 @@
             <a:buNone/>
           </a:pPr>
           <a:r>
-            <a:rPr lang="es-ES" sz="3300" kern="1200"/>
+            <a:rPr lang="es-ES" sz="3300" kern="1200" dirty="0"/>
             <a:t>Reglas para resaltar celdas </a:t>
           </a:r>
-          <a:endParaRPr lang="en-US" sz="3300" kern="1200"/>
+          <a:endParaRPr lang="en-US" sz="3300" kern="1200" dirty="0"/>
         </a:p>
       </dsp:txBody>
       <dsp:txXfrm>
@@ -6597,10 +6646,10 @@
             <a:buNone/>
           </a:pPr>
           <a:r>
-            <a:rPr lang="es-ES" sz="3300" kern="1200"/>
+            <a:rPr lang="es-ES" sz="3300" kern="1200" dirty="0"/>
             <a:t>Administrar reglas </a:t>
           </a:r>
-          <a:endParaRPr lang="en-US" sz="3300" kern="1200"/>
+          <a:endParaRPr lang="en-US" sz="3300" kern="1200" dirty="0"/>
         </a:p>
       </dsp:txBody>
       <dsp:txXfrm>
@@ -7154,10 +7203,10 @@
             <a:buNone/>
           </a:pPr>
           <a:r>
-            <a:rPr lang="es-ES" sz="3000" kern="1200"/>
+            <a:rPr lang="es-ES" sz="3000" kern="1200" dirty="0"/>
             <a:t>Crear una regla de filtrado</a:t>
           </a:r>
-          <a:endParaRPr lang="en-US" sz="3000" kern="1200"/>
+          <a:endParaRPr lang="en-US" sz="3000" kern="1200" dirty="0"/>
         </a:p>
       </dsp:txBody>
       <dsp:txXfrm>
@@ -7265,10 +7314,10 @@
             <a:buNone/>
           </a:pPr>
           <a:r>
-            <a:rPr lang="es-ES" sz="3000" kern="1200"/>
+            <a:rPr lang="es-ES" sz="3000" kern="1200" dirty="0"/>
             <a:t>Filtrado de datos con un filtro de búsqueda</a:t>
           </a:r>
-          <a:endParaRPr lang="en-US" sz="3000" kern="1200"/>
+          <a:endParaRPr lang="en-US" sz="3000" kern="1200" dirty="0"/>
         </a:p>
       </dsp:txBody>
       <dsp:txXfrm>
@@ -13502,7 +13551,7 @@
           <a:p>
             <a:fld id="{34D22CFB-9125-4446-8646-FDA1D67836EE}" type="datetimeFigureOut">
               <a:rPr lang="es-ES" smtClean="0"/>
-              <a:t>22/09/2022</a:t>
+              <a:t>26/09/2022</a:t>
             </a:fld>
             <a:endParaRPr lang="es-ES"/>
           </a:p>
@@ -13732,7 +13781,7 @@
           <a:p>
             <a:fld id="{90B1CD67-1C5B-41FE-BE3E-DE119E596CF6}" type="datetimeFigureOut">
               <a:rPr lang="es-ES" smtClean="0"/>
-              <a:t>22/09/2022</a:t>
+              <a:t>26/09/2022</a:t>
             </a:fld>
             <a:endParaRPr lang="es-ES"/>
           </a:p>
@@ -13930,7 +13979,7 @@
           <a:p>
             <a:fld id="{90B1CD67-1C5B-41FE-BE3E-DE119E596CF6}" type="datetimeFigureOut">
               <a:rPr lang="es-ES" smtClean="0"/>
-              <a:t>22/09/2022</a:t>
+              <a:t>26/09/2022</a:t>
             </a:fld>
             <a:endParaRPr lang="es-ES"/>
           </a:p>
@@ -14138,7 +14187,7 @@
           <a:p>
             <a:fld id="{90B1CD67-1C5B-41FE-BE3E-DE119E596CF6}" type="datetimeFigureOut">
               <a:rPr lang="es-ES" smtClean="0"/>
-              <a:t>22/09/2022</a:t>
+              <a:t>26/09/2022</a:t>
             </a:fld>
             <a:endParaRPr lang="es-ES"/>
           </a:p>
@@ -14336,7 +14385,7 @@
           <a:p>
             <a:fld id="{90B1CD67-1C5B-41FE-BE3E-DE119E596CF6}" type="datetimeFigureOut">
               <a:rPr lang="es-ES" smtClean="0"/>
-              <a:t>22/09/2022</a:t>
+              <a:t>26/09/2022</a:t>
             </a:fld>
             <a:endParaRPr lang="es-ES"/>
           </a:p>
@@ -14611,7 +14660,7 @@
           <a:p>
             <a:fld id="{90B1CD67-1C5B-41FE-BE3E-DE119E596CF6}" type="datetimeFigureOut">
               <a:rPr lang="es-ES" smtClean="0"/>
-              <a:t>22/09/2022</a:t>
+              <a:t>26/09/2022</a:t>
             </a:fld>
             <a:endParaRPr lang="es-ES"/>
           </a:p>
@@ -14876,7 +14925,7 @@
           <a:p>
             <a:fld id="{90B1CD67-1C5B-41FE-BE3E-DE119E596CF6}" type="datetimeFigureOut">
               <a:rPr lang="es-ES" smtClean="0"/>
-              <a:t>22/09/2022</a:t>
+              <a:t>26/09/2022</a:t>
             </a:fld>
             <a:endParaRPr lang="es-ES"/>
           </a:p>
@@ -15288,7 +15337,7 @@
           <a:p>
             <a:fld id="{90B1CD67-1C5B-41FE-BE3E-DE119E596CF6}" type="datetimeFigureOut">
               <a:rPr lang="es-ES" smtClean="0"/>
-              <a:t>22/09/2022</a:t>
+              <a:t>26/09/2022</a:t>
             </a:fld>
             <a:endParaRPr lang="es-ES"/>
           </a:p>
@@ -15429,7 +15478,7 @@
           <a:p>
             <a:fld id="{90B1CD67-1C5B-41FE-BE3E-DE119E596CF6}" type="datetimeFigureOut">
               <a:rPr lang="es-ES" smtClean="0"/>
-              <a:t>22/09/2022</a:t>
+              <a:t>26/09/2022</a:t>
             </a:fld>
             <a:endParaRPr lang="es-ES"/>
           </a:p>
@@ -15542,7 +15591,7 @@
           <a:p>
             <a:fld id="{90B1CD67-1C5B-41FE-BE3E-DE119E596CF6}" type="datetimeFigureOut">
               <a:rPr lang="es-ES" smtClean="0"/>
-              <a:t>22/09/2022</a:t>
+              <a:t>26/09/2022</a:t>
             </a:fld>
             <a:endParaRPr lang="es-ES"/>
           </a:p>
@@ -15853,7 +15902,7 @@
           <a:p>
             <a:fld id="{90B1CD67-1C5B-41FE-BE3E-DE119E596CF6}" type="datetimeFigureOut">
               <a:rPr lang="es-ES" smtClean="0"/>
-              <a:t>22/09/2022</a:t>
+              <a:t>26/09/2022</a:t>
             </a:fld>
             <a:endParaRPr lang="es-ES"/>
           </a:p>
@@ -16144,7 +16193,7 @@
           <a:p>
             <a:fld id="{90B1CD67-1C5B-41FE-BE3E-DE119E596CF6}" type="datetimeFigureOut">
               <a:rPr lang="es-ES" smtClean="0"/>
-              <a:t>22/09/2022</a:t>
+              <a:t>26/09/2022</a:t>
             </a:fld>
             <a:endParaRPr lang="es-ES"/>
           </a:p>
@@ -16385,7 +16434,7 @@
           <a:p>
             <a:fld id="{90B1CD67-1C5B-41FE-BE3E-DE119E596CF6}" type="datetimeFigureOut">
               <a:rPr lang="es-ES" smtClean="0"/>
-              <a:t>22/09/2022</a:t>
+              <a:t>26/09/2022</a:t>
             </a:fld>
             <a:endParaRPr lang="es-ES"/>
           </a:p>
@@ -16810,12 +16859,12 @@
           <a:chExt cx="0" cy="0"/>
         </a:xfrm>
       </p:grpSpPr>
-      <p:sp>
+      <p:sp useBgFill="1">
         <p:nvSpPr>
-          <p:cNvPr id="17" name="Rectangle 7">
+          <p:cNvPr id="9" name="Rectangle 8">
             <a:extLst>
               <a:ext uri="{FF2B5EF4-FFF2-40B4-BE49-F238E27FC236}">
-                <a16:creationId xmlns:a16="http://schemas.microsoft.com/office/drawing/2014/main" id="{51D98CAC-3EFF-4342-BD5A-6C0E8CAB4C1A}"/>
+                <a16:creationId xmlns:a16="http://schemas.microsoft.com/office/drawing/2014/main" id="{E51BA4DF-2BD4-4EC2-B1DB-B27C8AC71864}"/>
               </a:ext>
               <a:ext uri="{C183D7F6-B498-43B3-948B-1728B52AA6E4}">
                 <adec:decorative xmlns:adec="http://schemas.microsoft.com/office/drawing/2017/decorative" val="1"/>
@@ -16834,16 +16883,13 @@
           </p:nvPr>
         </p:nvSpPr>
         <p:spPr>
-          <a:xfrm flipV="1">
-            <a:off x="838200" y="520700"/>
-            <a:ext cx="10515600" cy="3486150"/>
+          <a:xfrm>
+            <a:off x="-1" y="0"/>
+            <a:ext cx="12188952" cy="6858000"/>
           </a:xfrm>
           <a:prstGeom prst="rect">
             <a:avLst/>
           </a:prstGeom>
-          <a:solidFill>
-            <a:schemeClr val="accent1"/>
-          </a:solidFill>
           <a:ln>
             <a:noFill/>
           </a:ln>
@@ -16875,18 +16921,24 @@
       </p:sp>
       <p:sp>
         <p:nvSpPr>
-          <p:cNvPr id="2" name="Título 1"/>
+          <p:cNvPr id="2" name="Título 1">
+            <a:extLst>
+              <a:ext uri="{FF2B5EF4-FFF2-40B4-BE49-F238E27FC236}">
+                <a16:creationId xmlns:a16="http://schemas.microsoft.com/office/drawing/2014/main" id="{8CD29624-60A9-0B5F-0EA5-01EB308204B8}"/>
+              </a:ext>
+            </a:extLst>
+          </p:cNvPr>
           <p:cNvSpPr>
             <a:spLocks noGrp="1"/>
           </p:cNvSpPr>
           <p:nvPr>
-            <p:ph type="ctrTitle"/>
+            <p:ph type="title"/>
           </p:nvPr>
         </p:nvSpPr>
         <p:spPr>
           <a:xfrm>
-            <a:off x="1330325" y="958852"/>
-            <a:ext cx="9531350" cy="2514597"/>
+            <a:off x="4553733" y="548464"/>
+            <a:ext cx="6798541" cy="1675623"/>
           </a:xfrm>
         </p:spPr>
         <p:txBody>
@@ -16896,30 +16948,62 @@
           <a:lstStyle/>
           <a:p>
             <a:r>
-              <a:rPr lang="es-ES" sz="8000" dirty="0">
-                <a:solidFill>
-                  <a:srgbClr val="FFFFFF"/>
-                </a:solidFill>
-              </a:rPr>
-              <a:t>Tablas</a:t>
+              <a:rPr lang="es-ES" sz="4000" dirty="0"/>
+              <a:t>Contenido</a:t>
             </a:r>
           </a:p>
         </p:txBody>
       </p:sp>
+      <p:pic>
+        <p:nvPicPr>
+          <p:cNvPr id="5" name="Picture 4" descr="Escritorio con elementos de productividad">
+            <a:extLst>
+              <a:ext uri="{FF2B5EF4-FFF2-40B4-BE49-F238E27FC236}">
+                <a16:creationId xmlns:a16="http://schemas.microsoft.com/office/drawing/2014/main" id="{6CCA4DD2-18D2-9D5F-53DA-6E025D0E0C09}"/>
+              </a:ext>
+            </a:extLst>
+          </p:cNvPr>
+          <p:cNvPicPr>
+            <a:picLocks noChangeAspect="1"/>
+          </p:cNvPicPr>
+          <p:nvPr/>
+        </p:nvPicPr>
+        <p:blipFill rotWithShape="1">
+          <a:blip r:embed="rId2"/>
+          <a:srcRect l="37202" r="21952" b="-1"/>
+          <a:stretch/>
+        </p:blipFill>
+        <p:spPr>
+          <a:xfrm>
+            <a:off x="1" y="10"/>
+            <a:ext cx="4196496" cy="6857990"/>
+          </a:xfrm>
+          <a:prstGeom prst="rect">
+            <a:avLst/>
+          </a:prstGeom>
+          <a:effectLst/>
+        </p:spPr>
+      </p:pic>
       <p:sp>
         <p:nvSpPr>
-          <p:cNvPr id="3" name="Subtítulo 2"/>
+          <p:cNvPr id="3" name="Marcador de contenido 2">
+            <a:extLst>
+              <a:ext uri="{FF2B5EF4-FFF2-40B4-BE49-F238E27FC236}">
+                <a16:creationId xmlns:a16="http://schemas.microsoft.com/office/drawing/2014/main" id="{63C8CABC-7EAF-3ADD-6558-70C168F52AE4}"/>
+              </a:ext>
+            </a:extLst>
+          </p:cNvPr>
           <p:cNvSpPr>
             <a:spLocks noGrp="1"/>
           </p:cNvSpPr>
           <p:nvPr>
-            <p:ph type="subTitle" idx="1"/>
+            <p:ph idx="1"/>
           </p:nvPr>
         </p:nvSpPr>
         <p:spPr>
           <a:xfrm>
-            <a:off x="1330324" y="4305300"/>
-            <a:ext cx="9585326" cy="1454150"/>
+            <a:off x="4553734" y="2409830"/>
+            <a:ext cx="6798539" cy="3705217"/>
           </a:xfrm>
         </p:spPr>
         <p:txBody>
@@ -16929,8 +17013,44 @@
           <a:lstStyle/>
           <a:p>
             <a:r>
-              <a:rPr lang="es-ES" sz="3200" b="1" dirty="0"/>
-              <a:t>Formadora: Diana Aguilera Reyna</a:t>
+              <a:rPr lang="es-ES" sz="2000" dirty="0"/>
+              <a:t>-Repaso de conceptos generales</a:t>
+            </a:r>
+          </a:p>
+          <a:p>
+            <a:r>
+              <a:rPr lang="es-ES" sz="2000" dirty="0"/>
+              <a:t>-Calcular datos con fórmulas avanzadas</a:t>
+            </a:r>
+          </a:p>
+          <a:p>
+            <a:r>
+              <a:rPr lang="es-ES" sz="2000" dirty="0"/>
+              <a:t>-Organizar datos de una hoja de trabajo y de una tabla</a:t>
+            </a:r>
+          </a:p>
+          <a:p>
+            <a:r>
+              <a:rPr lang="es-ES" sz="2000" dirty="0"/>
+              <a:t>-Presentar datos usando gráficos</a:t>
+            </a:r>
+          </a:p>
+          <a:p>
+            <a:r>
+              <a:rPr lang="es-ES" sz="2000" dirty="0"/>
+              <a:t>-Tablas y gráficos dinámicos</a:t>
+            </a:r>
+          </a:p>
+          <a:p>
+            <a:r>
+              <a:rPr lang="es-ES" sz="2000" dirty="0"/>
+              <a:t>-Insertar objetos gráficos. </a:t>
+            </a:r>
+          </a:p>
+          <a:p>
+            <a:r>
+              <a:rPr lang="es-ES" sz="2000"/>
+              <a:t>-Personalizar y mejorar los libros de trabajo y el entorno Excel</a:t>
             </a:r>
           </a:p>
         </p:txBody>
@@ -16938,7 +17058,7 @@
     </p:spTree>
     <p:extLst>
       <p:ext uri="{BB962C8B-B14F-4D97-AF65-F5344CB8AC3E}">
-        <p14:creationId xmlns:p14="http://schemas.microsoft.com/office/powerpoint/2010/main" val="3117351895"/>
+        <p14:creationId xmlns:p14="http://schemas.microsoft.com/office/powerpoint/2010/main" val="842110036"/>
       </p:ext>
     </p:extLst>
   </p:cSld>
@@ -16949,6 +17069,646 @@
 </file>
 
 <file path=ppt/slides/slide10.xml><?xml version="1.0" encoding="utf-8"?>
+<p:sld xmlns:a="http://schemas.openxmlformats.org/drawingml/2006/main" xmlns:r="http://schemas.openxmlformats.org/officeDocument/2006/relationships" xmlns:p="http://schemas.openxmlformats.org/presentationml/2006/main">
+  <p:cSld>
+    <p:spTree>
+      <p:nvGrpSpPr>
+        <p:cNvPr id="1" name=""/>
+        <p:cNvGrpSpPr/>
+        <p:nvPr/>
+      </p:nvGrpSpPr>
+      <p:grpSpPr>
+        <a:xfrm>
+          <a:off x="0" y="0"/>
+          <a:ext cx="0" cy="0"/>
+          <a:chOff x="0" y="0"/>
+          <a:chExt cx="0" cy="0"/>
+        </a:xfrm>
+      </p:grpSpPr>
+      <p:sp>
+        <p:nvSpPr>
+          <p:cNvPr id="2" name="Título 1"/>
+          <p:cNvSpPr>
+            <a:spLocks noGrp="1"/>
+          </p:cNvSpPr>
+          <p:nvPr>
+            <p:ph type="title"/>
+          </p:nvPr>
+        </p:nvSpPr>
+        <p:spPr/>
+        <p:txBody>
+          <a:bodyPr/>
+          <a:lstStyle/>
+          <a:p>
+            <a:r>
+              <a:rPr lang="es-ES" dirty="0"/>
+              <a:t>Reemplazar</a:t>
+            </a:r>
+            <a:br>
+              <a:rPr lang="es-ES" dirty="0"/>
+            </a:br>
+            <a:endParaRPr lang="es-ES" dirty="0"/>
+          </a:p>
+        </p:txBody>
+      </p:sp>
+      <p:sp>
+        <p:nvSpPr>
+          <p:cNvPr id="3" name="Marcador de contenido 2"/>
+          <p:cNvSpPr>
+            <a:spLocks noGrp="1"/>
+          </p:cNvSpPr>
+          <p:nvPr>
+            <p:ph idx="1"/>
+          </p:nvPr>
+        </p:nvSpPr>
+        <p:spPr>
+          <a:xfrm>
+            <a:off x="838200" y="1187258"/>
+            <a:ext cx="4981574" cy="5120640"/>
+          </a:xfrm>
+        </p:spPr>
+        <p:txBody>
+          <a:bodyPr>
+            <a:normAutofit fontScale="85000" lnSpcReduction="10000"/>
+          </a:bodyPr>
+          <a:lstStyle/>
+          <a:p>
+            <a:pPr marL="457200" indent="-457200">
+              <a:buFont typeface="+mj-lt"/>
+              <a:buAutoNum type="arabicPeriod"/>
+            </a:pPr>
+            <a:r>
+              <a:rPr lang="es-ES" dirty="0"/>
+              <a:t>Haga clic en la pestaña Inicio.</a:t>
+            </a:r>
+          </a:p>
+          <a:p>
+            <a:pPr marL="457200" indent="-457200">
+              <a:buFont typeface="+mj-lt"/>
+              <a:buAutoNum type="arabicPeriod"/>
+            </a:pPr>
+            <a:r>
+              <a:rPr lang="es-ES" dirty="0"/>
+              <a:t>En el grupo Edición, haga clic en Buscar y seleccionar.</a:t>
+            </a:r>
+          </a:p>
+          <a:p>
+            <a:pPr marL="457200" indent="-457200">
+              <a:buFont typeface="+mj-lt"/>
+              <a:buAutoNum type="arabicPeriod"/>
+            </a:pPr>
+            <a:r>
+              <a:rPr lang="es-ES" dirty="0"/>
+              <a:t>Haga clic en Reemplazar.</a:t>
+            </a:r>
+          </a:p>
+          <a:p>
+            <a:pPr marL="457200" indent="-457200">
+              <a:buFont typeface="+mj-lt"/>
+              <a:buAutoNum type="arabicPeriod"/>
+            </a:pPr>
+            <a:r>
+              <a:rPr lang="es-ES" dirty="0"/>
+              <a:t>Escriba el texto que desea reemplazar.</a:t>
+            </a:r>
+          </a:p>
+          <a:p>
+            <a:pPr marL="457200" indent="-457200">
+              <a:buFont typeface="+mj-lt"/>
+              <a:buAutoNum type="arabicPeriod"/>
+            </a:pPr>
+            <a:r>
+              <a:rPr lang="es-ES" dirty="0"/>
+              <a:t>Escriba el texto que desea tomar el lugar del texto existente.</a:t>
+            </a:r>
+          </a:p>
+          <a:p>
+            <a:pPr marL="457200" indent="-457200">
+              <a:buFont typeface="+mj-lt"/>
+              <a:buAutoNum type="arabicPeriod"/>
+            </a:pPr>
+            <a:r>
+              <a:rPr lang="es-ES" dirty="0"/>
+              <a:t>Haga clic en Buscar siguiente</a:t>
+            </a:r>
+          </a:p>
+          <a:p>
+            <a:pPr marL="457200" indent="-457200">
+              <a:buFont typeface="+mj-lt"/>
+              <a:buAutoNum type="arabicPeriod"/>
+            </a:pPr>
+            <a:r>
+              <a:rPr lang="es-ES" dirty="0"/>
+              <a:t>a continuación, haga clic en: Reemplazar todos, Reemplazar o buscar siguiente, según el caso.</a:t>
+            </a:r>
+          </a:p>
+          <a:p>
+            <a:pPr marL="457200" indent="-457200">
+              <a:buFont typeface="+mj-lt"/>
+              <a:buAutoNum type="arabicPeriod"/>
+            </a:pPr>
+            <a:r>
+              <a:rPr lang="es-ES" dirty="0"/>
+              <a:t>Haga clic en Cerrar.</a:t>
+            </a:r>
+          </a:p>
+          <a:p>
+            <a:pPr marL="960120" lvl="1" indent="-457200">
+              <a:buFont typeface="+mj-lt"/>
+              <a:buAutoNum type="arabicPeriod"/>
+            </a:pPr>
+            <a:endParaRPr lang="es-ES" dirty="0"/>
+          </a:p>
+        </p:txBody>
+      </p:sp>
+      <p:pic>
+        <p:nvPicPr>
+          <p:cNvPr id="11" name="Imagen 10"/>
+          <p:cNvPicPr>
+            <a:picLocks noChangeAspect="1"/>
+          </p:cNvPicPr>
+          <p:nvPr/>
+        </p:nvPicPr>
+        <p:blipFill>
+          <a:blip r:embed="rId2"/>
+          <a:stretch>
+            <a:fillRect/>
+          </a:stretch>
+        </p:blipFill>
+        <p:spPr>
+          <a:xfrm>
+            <a:off x="6901416" y="864108"/>
+            <a:ext cx="1638300" cy="1571625"/>
+          </a:xfrm>
+          <a:prstGeom prst="rect">
+            <a:avLst/>
+          </a:prstGeom>
+        </p:spPr>
+      </p:pic>
+      <p:sp>
+        <p:nvSpPr>
+          <p:cNvPr id="13" name="Elipse 12"/>
+          <p:cNvSpPr/>
+          <p:nvPr/>
+        </p:nvSpPr>
+        <p:spPr>
+          <a:xfrm>
+            <a:off x="7516111" y="1551017"/>
+            <a:ext cx="514350" cy="445770"/>
+          </a:xfrm>
+          <a:prstGeom prst="ellipse">
+            <a:avLst/>
+          </a:prstGeom>
+        </p:spPr>
+        <p:style>
+          <a:lnRef idx="2">
+            <a:schemeClr val="accent1">
+              <a:shade val="50000"/>
+            </a:schemeClr>
+          </a:lnRef>
+          <a:fillRef idx="1">
+            <a:schemeClr val="accent1"/>
+          </a:fillRef>
+          <a:effectRef idx="0">
+            <a:schemeClr val="accent1"/>
+          </a:effectRef>
+          <a:fontRef idx="minor">
+            <a:schemeClr val="lt1"/>
+          </a:fontRef>
+        </p:style>
+        <p:txBody>
+          <a:bodyPr rtlCol="0" anchor="ctr"/>
+          <a:lstStyle/>
+          <a:p>
+            <a:pPr algn="ctr"/>
+            <a:r>
+              <a:rPr lang="es-ES" dirty="0">
+                <a:latin typeface="Calibri" panose="020F0502020204030204" pitchFamily="34" charset="0"/>
+              </a:rPr>
+              <a:t>1</a:t>
+            </a:r>
+          </a:p>
+        </p:txBody>
+      </p:sp>
+      <p:pic>
+        <p:nvPicPr>
+          <p:cNvPr id="12" name="Imagen 11"/>
+          <p:cNvPicPr>
+            <a:picLocks noChangeAspect="1"/>
+          </p:cNvPicPr>
+          <p:nvPr/>
+        </p:nvPicPr>
+        <p:blipFill>
+          <a:blip r:embed="rId3"/>
+          <a:stretch>
+            <a:fillRect/>
+          </a:stretch>
+        </p:blipFill>
+        <p:spPr>
+          <a:xfrm>
+            <a:off x="9411854" y="864108"/>
+            <a:ext cx="1638300" cy="2286000"/>
+          </a:xfrm>
+          <a:prstGeom prst="rect">
+            <a:avLst/>
+          </a:prstGeom>
+        </p:spPr>
+      </p:pic>
+      <p:sp>
+        <p:nvSpPr>
+          <p:cNvPr id="6" name="Elipse 5"/>
+          <p:cNvSpPr/>
+          <p:nvPr/>
+        </p:nvSpPr>
+        <p:spPr>
+          <a:xfrm>
+            <a:off x="9048971" y="1686274"/>
+            <a:ext cx="514350" cy="445770"/>
+          </a:xfrm>
+          <a:prstGeom prst="ellipse">
+            <a:avLst/>
+          </a:prstGeom>
+        </p:spPr>
+        <p:style>
+          <a:lnRef idx="2">
+            <a:schemeClr val="accent1">
+              <a:shade val="50000"/>
+            </a:schemeClr>
+          </a:lnRef>
+          <a:fillRef idx="1">
+            <a:schemeClr val="accent1"/>
+          </a:fillRef>
+          <a:effectRef idx="0">
+            <a:schemeClr val="accent1"/>
+          </a:effectRef>
+          <a:fontRef idx="minor">
+            <a:schemeClr val="lt1"/>
+          </a:fontRef>
+        </p:style>
+        <p:txBody>
+          <a:bodyPr rtlCol="0" anchor="ctr"/>
+          <a:lstStyle/>
+          <a:p>
+            <a:pPr algn="ctr"/>
+            <a:r>
+              <a:rPr lang="es-ES" dirty="0">
+                <a:latin typeface="Calibri" panose="020F0502020204030204" pitchFamily="34" charset="0"/>
+              </a:rPr>
+              <a:t>3</a:t>
+            </a:r>
+          </a:p>
+        </p:txBody>
+      </p:sp>
+      <p:sp>
+        <p:nvSpPr>
+          <p:cNvPr id="5" name="Elipse 4"/>
+          <p:cNvSpPr/>
+          <p:nvPr/>
+        </p:nvSpPr>
+        <p:spPr>
+          <a:xfrm>
+            <a:off x="10792979" y="900952"/>
+            <a:ext cx="514350" cy="445770"/>
+          </a:xfrm>
+          <a:prstGeom prst="ellipse">
+            <a:avLst/>
+          </a:prstGeom>
+        </p:spPr>
+        <p:style>
+          <a:lnRef idx="2">
+            <a:schemeClr val="accent1">
+              <a:shade val="50000"/>
+            </a:schemeClr>
+          </a:lnRef>
+          <a:fillRef idx="1">
+            <a:schemeClr val="accent1"/>
+          </a:fillRef>
+          <a:effectRef idx="0">
+            <a:schemeClr val="accent1"/>
+          </a:effectRef>
+          <a:fontRef idx="minor">
+            <a:schemeClr val="lt1"/>
+          </a:fontRef>
+        </p:style>
+        <p:txBody>
+          <a:bodyPr rtlCol="0" anchor="ctr"/>
+          <a:lstStyle/>
+          <a:p>
+            <a:pPr algn="ctr"/>
+            <a:r>
+              <a:rPr lang="es-ES" dirty="0">
+                <a:latin typeface="Calibri" panose="020F0502020204030204" pitchFamily="34" charset="0"/>
+              </a:rPr>
+              <a:t>2</a:t>
+            </a:r>
+          </a:p>
+        </p:txBody>
+      </p:sp>
+      <p:pic>
+        <p:nvPicPr>
+          <p:cNvPr id="14" name="Imagen 13"/>
+          <p:cNvPicPr>
+            <a:picLocks noChangeAspect="1"/>
+          </p:cNvPicPr>
+          <p:nvPr/>
+        </p:nvPicPr>
+        <p:blipFill>
+          <a:blip r:embed="rId4"/>
+          <a:stretch>
+            <a:fillRect/>
+          </a:stretch>
+        </p:blipFill>
+        <p:spPr>
+          <a:xfrm>
+            <a:off x="6731184" y="2553143"/>
+            <a:ext cx="4981575" cy="1943100"/>
+          </a:xfrm>
+          <a:prstGeom prst="rect">
+            <a:avLst/>
+          </a:prstGeom>
+        </p:spPr>
+      </p:pic>
+      <p:sp>
+        <p:nvSpPr>
+          <p:cNvPr id="8" name="Elipse 7"/>
+          <p:cNvSpPr/>
+          <p:nvPr/>
+        </p:nvSpPr>
+        <p:spPr>
+          <a:xfrm>
+            <a:off x="8640329" y="2927457"/>
+            <a:ext cx="514350" cy="445770"/>
+          </a:xfrm>
+          <a:prstGeom prst="ellipse">
+            <a:avLst/>
+          </a:prstGeom>
+        </p:spPr>
+        <p:style>
+          <a:lnRef idx="2">
+            <a:schemeClr val="accent1">
+              <a:shade val="50000"/>
+            </a:schemeClr>
+          </a:lnRef>
+          <a:fillRef idx="1">
+            <a:schemeClr val="accent1"/>
+          </a:fillRef>
+          <a:effectRef idx="0">
+            <a:schemeClr val="accent1"/>
+          </a:effectRef>
+          <a:fontRef idx="minor">
+            <a:schemeClr val="lt1"/>
+          </a:fontRef>
+        </p:style>
+        <p:txBody>
+          <a:bodyPr rtlCol="0" anchor="ctr"/>
+          <a:lstStyle/>
+          <a:p>
+            <a:pPr algn="ctr"/>
+            <a:r>
+              <a:rPr lang="es-ES" dirty="0">
+                <a:latin typeface="Calibri" panose="020F0502020204030204" pitchFamily="34" charset="0"/>
+              </a:rPr>
+              <a:t>4</a:t>
+            </a:r>
+          </a:p>
+        </p:txBody>
+      </p:sp>
+      <p:sp>
+        <p:nvSpPr>
+          <p:cNvPr id="9" name="Elipse 8"/>
+          <p:cNvSpPr/>
+          <p:nvPr/>
+        </p:nvSpPr>
+        <p:spPr>
+          <a:xfrm>
+            <a:off x="9716654" y="3524693"/>
+            <a:ext cx="514350" cy="445770"/>
+          </a:xfrm>
+          <a:prstGeom prst="ellipse">
+            <a:avLst/>
+          </a:prstGeom>
+        </p:spPr>
+        <p:style>
+          <a:lnRef idx="2">
+            <a:schemeClr val="accent1">
+              <a:shade val="50000"/>
+            </a:schemeClr>
+          </a:lnRef>
+          <a:fillRef idx="1">
+            <a:schemeClr val="accent1"/>
+          </a:fillRef>
+          <a:effectRef idx="0">
+            <a:schemeClr val="accent1"/>
+          </a:effectRef>
+          <a:fontRef idx="minor">
+            <a:schemeClr val="lt1"/>
+          </a:fontRef>
+        </p:style>
+        <p:txBody>
+          <a:bodyPr rtlCol="0" anchor="ctr"/>
+          <a:lstStyle/>
+          <a:p>
+            <a:pPr algn="ctr"/>
+            <a:r>
+              <a:rPr lang="es-ES" dirty="0">
+                <a:latin typeface="Calibri" panose="020F0502020204030204" pitchFamily="34" charset="0"/>
+              </a:rPr>
+              <a:t>5</a:t>
+            </a:r>
+          </a:p>
+        </p:txBody>
+      </p:sp>
+      <p:sp>
+        <p:nvSpPr>
+          <p:cNvPr id="15" name="Cerrar llave 14"/>
+          <p:cNvSpPr/>
+          <p:nvPr/>
+        </p:nvSpPr>
+        <p:spPr>
+          <a:xfrm rot="5400000">
+            <a:off x="8538947" y="2564638"/>
+            <a:ext cx="531629" cy="3977178"/>
+          </a:xfrm>
+          <a:prstGeom prst="rightBrace">
+            <a:avLst>
+              <a:gd name="adj1" fmla="val 8333"/>
+              <a:gd name="adj2" fmla="val 49465"/>
+            </a:avLst>
+          </a:prstGeom>
+          <a:ln w="38100"/>
+        </p:spPr>
+        <p:style>
+          <a:lnRef idx="1">
+            <a:schemeClr val="accent1"/>
+          </a:lnRef>
+          <a:fillRef idx="0">
+            <a:schemeClr val="accent1"/>
+          </a:fillRef>
+          <a:effectRef idx="0">
+            <a:schemeClr val="accent1"/>
+          </a:effectRef>
+          <a:fontRef idx="minor">
+            <a:schemeClr val="tx1"/>
+          </a:fontRef>
+        </p:style>
+        <p:txBody>
+          <a:bodyPr rtlCol="0" anchor="ctr"/>
+          <a:lstStyle/>
+          <a:p>
+            <a:pPr algn="ctr"/>
+            <a:endParaRPr lang="es-ES"/>
+          </a:p>
+        </p:txBody>
+      </p:sp>
+      <p:sp>
+        <p:nvSpPr>
+          <p:cNvPr id="10" name="Elipse 9"/>
+          <p:cNvSpPr/>
+          <p:nvPr/>
+        </p:nvSpPr>
+        <p:spPr>
+          <a:xfrm>
+            <a:off x="9973829" y="4282794"/>
+            <a:ext cx="514350" cy="445770"/>
+          </a:xfrm>
+          <a:prstGeom prst="ellipse">
+            <a:avLst/>
+          </a:prstGeom>
+        </p:spPr>
+        <p:style>
+          <a:lnRef idx="2">
+            <a:schemeClr val="accent1">
+              <a:shade val="50000"/>
+            </a:schemeClr>
+          </a:lnRef>
+          <a:fillRef idx="1">
+            <a:schemeClr val="accent1"/>
+          </a:fillRef>
+          <a:effectRef idx="0">
+            <a:schemeClr val="accent1"/>
+          </a:effectRef>
+          <a:fontRef idx="minor">
+            <a:schemeClr val="lt1"/>
+          </a:fontRef>
+        </p:style>
+        <p:txBody>
+          <a:bodyPr rtlCol="0" anchor="ctr"/>
+          <a:lstStyle/>
+          <a:p>
+            <a:pPr algn="ctr"/>
+            <a:r>
+              <a:rPr lang="es-ES" dirty="0">
+                <a:latin typeface="Calibri" panose="020F0502020204030204" pitchFamily="34" charset="0"/>
+              </a:rPr>
+              <a:t>6</a:t>
+            </a:r>
+          </a:p>
+        </p:txBody>
+      </p:sp>
+      <p:sp>
+        <p:nvSpPr>
+          <p:cNvPr id="16" name="Elipse 15"/>
+          <p:cNvSpPr/>
+          <p:nvPr/>
+        </p:nvSpPr>
+        <p:spPr>
+          <a:xfrm>
+            <a:off x="8547586" y="4832996"/>
+            <a:ext cx="514350" cy="445770"/>
+          </a:xfrm>
+          <a:prstGeom prst="ellipse">
+            <a:avLst/>
+          </a:prstGeom>
+        </p:spPr>
+        <p:style>
+          <a:lnRef idx="2">
+            <a:schemeClr val="accent1">
+              <a:shade val="50000"/>
+            </a:schemeClr>
+          </a:lnRef>
+          <a:fillRef idx="1">
+            <a:schemeClr val="accent1"/>
+          </a:fillRef>
+          <a:effectRef idx="0">
+            <a:schemeClr val="accent1"/>
+          </a:effectRef>
+          <a:fontRef idx="minor">
+            <a:schemeClr val="lt1"/>
+          </a:fontRef>
+        </p:style>
+        <p:txBody>
+          <a:bodyPr rtlCol="0" anchor="ctr"/>
+          <a:lstStyle/>
+          <a:p>
+            <a:pPr algn="ctr"/>
+            <a:r>
+              <a:rPr lang="es-ES" dirty="0">
+                <a:latin typeface="Calibri" panose="020F0502020204030204" pitchFamily="34" charset="0"/>
+              </a:rPr>
+              <a:t>7</a:t>
+            </a:r>
+          </a:p>
+        </p:txBody>
+      </p:sp>
+      <p:sp>
+        <p:nvSpPr>
+          <p:cNvPr id="17" name="Elipse 16"/>
+          <p:cNvSpPr/>
+          <p:nvPr/>
+        </p:nvSpPr>
+        <p:spPr>
+          <a:xfrm>
+            <a:off x="11098523" y="4370380"/>
+            <a:ext cx="514350" cy="445770"/>
+          </a:xfrm>
+          <a:prstGeom prst="ellipse">
+            <a:avLst/>
+          </a:prstGeom>
+        </p:spPr>
+        <p:style>
+          <a:lnRef idx="2">
+            <a:schemeClr val="accent1">
+              <a:shade val="50000"/>
+            </a:schemeClr>
+          </a:lnRef>
+          <a:fillRef idx="1">
+            <a:schemeClr val="accent1"/>
+          </a:fillRef>
+          <a:effectRef idx="0">
+            <a:schemeClr val="accent1"/>
+          </a:effectRef>
+          <a:fontRef idx="minor">
+            <a:schemeClr val="lt1"/>
+          </a:fontRef>
+        </p:style>
+        <p:txBody>
+          <a:bodyPr rtlCol="0" anchor="ctr"/>
+          <a:lstStyle/>
+          <a:p>
+            <a:pPr algn="ctr"/>
+            <a:r>
+              <a:rPr lang="es-ES" dirty="0">
+                <a:latin typeface="Calibri" panose="020F0502020204030204" pitchFamily="34" charset="0"/>
+              </a:rPr>
+              <a:t>8</a:t>
+            </a:r>
+          </a:p>
+        </p:txBody>
+      </p:sp>
+    </p:spTree>
+    <p:extLst>
+      <p:ext uri="{BB962C8B-B14F-4D97-AF65-F5344CB8AC3E}">
+        <p14:creationId xmlns:p14="http://schemas.microsoft.com/office/powerpoint/2010/main" val="4076963563"/>
+      </p:ext>
+    </p:extLst>
+  </p:cSld>
+  <p:clrMapOvr>
+    <a:masterClrMapping/>
+  </p:clrMapOvr>
+</p:sld>
+</file>
+
+<file path=ppt/slides/slide11.xml><?xml version="1.0" encoding="utf-8"?>
 <p:sld xmlns:a="http://schemas.openxmlformats.org/drawingml/2006/main" xmlns:r="http://schemas.openxmlformats.org/officeDocument/2006/relationships" xmlns:p="http://schemas.openxmlformats.org/presentationml/2006/main">
   <p:cSld>
     <p:spTree>
@@ -17237,7 +17997,7 @@
 </p:sld>
 </file>
 
-<file path=ppt/slides/slide11.xml><?xml version="1.0" encoding="utf-8"?>
+<file path=ppt/slides/slide12.xml><?xml version="1.0" encoding="utf-8"?>
 <p:sld xmlns:a="http://schemas.openxmlformats.org/drawingml/2006/main" xmlns:r="http://schemas.openxmlformats.org/officeDocument/2006/relationships" xmlns:p="http://schemas.openxmlformats.org/presentationml/2006/main">
   <p:cSld>
     <p:spTree>
@@ -17528,7 +18288,7 @@
 </p:sld>
 </file>
 
-<file path=ppt/slides/slide12.xml><?xml version="1.0" encoding="utf-8"?>
+<file path=ppt/slides/slide13.xml><?xml version="1.0" encoding="utf-8"?>
 <p:sld xmlns:a="http://schemas.openxmlformats.org/drawingml/2006/main" xmlns:r="http://schemas.openxmlformats.org/officeDocument/2006/relationships" xmlns:p="http://schemas.openxmlformats.org/presentationml/2006/main">
   <p:cSld>
     <p:spTree>
@@ -18334,7 +19094,7 @@
 </p:sld>
 </file>
 
-<file path=ppt/slides/slide13.xml><?xml version="1.0" encoding="utf-8"?>
+<file path=ppt/slides/slide14.xml><?xml version="1.0" encoding="utf-8"?>
 <p:sld xmlns:a="http://schemas.openxmlformats.org/drawingml/2006/main" xmlns:r="http://schemas.openxmlformats.org/officeDocument/2006/relationships" xmlns:p="http://schemas.openxmlformats.org/presentationml/2006/main">
   <p:cSld>
     <p:spTree>
@@ -18461,7 +19221,7 @@
 </p:sld>
 </file>
 
-<file path=ppt/slides/slide14.xml><?xml version="1.0" encoding="utf-8"?>
+<file path=ppt/slides/slide15.xml><?xml version="1.0" encoding="utf-8"?>
 <p:sld xmlns:a="http://schemas.openxmlformats.org/drawingml/2006/main" xmlns:r="http://schemas.openxmlformats.org/officeDocument/2006/relationships" xmlns:p="http://schemas.openxmlformats.org/presentationml/2006/main">
   <p:cSld>
     <p:spTree>
@@ -18794,7 +19554,7 @@
 </p:sld>
 </file>
 
-<file path=ppt/slides/slide15.xml><?xml version="1.0" encoding="utf-8"?>
+<file path=ppt/slides/slide16.xml><?xml version="1.0" encoding="utf-8"?>
 <p:sld xmlns:a="http://schemas.openxmlformats.org/drawingml/2006/main" xmlns:r="http://schemas.openxmlformats.org/officeDocument/2006/relationships" xmlns:p="http://schemas.openxmlformats.org/presentationml/2006/main">
   <p:cSld>
     <p:spTree>
@@ -18966,7 +19726,7 @@
 </p:sld>
 </file>
 
-<file path=ppt/slides/slide16.xml><?xml version="1.0" encoding="utf-8"?>
+<file path=ppt/slides/slide17.xml><?xml version="1.0" encoding="utf-8"?>
 <p:sld xmlns:a="http://schemas.openxmlformats.org/drawingml/2006/main" xmlns:r="http://schemas.openxmlformats.org/officeDocument/2006/relationships" xmlns:p="http://schemas.openxmlformats.org/presentationml/2006/main">
   <p:cSld>
     <p:spTree>
@@ -19046,7 +19806,7 @@
 </p:sld>
 </file>
 
-<file path=ppt/slides/slide17.xml><?xml version="1.0" encoding="utf-8"?>
+<file path=ppt/slides/slide18.xml><?xml version="1.0" encoding="utf-8"?>
 <p:sld xmlns:a="http://schemas.openxmlformats.org/drawingml/2006/main" xmlns:r="http://schemas.openxmlformats.org/officeDocument/2006/relationships" xmlns:p="http://schemas.openxmlformats.org/presentationml/2006/main">
   <p:cSld>
     <p:spTree>
@@ -19296,7 +20056,7 @@
 </p:sld>
 </file>
 
-<file path=ppt/slides/slide18.xml><?xml version="1.0" encoding="utf-8"?>
+<file path=ppt/slides/slide19.xml><?xml version="1.0" encoding="utf-8"?>
 <p:sld xmlns:a="http://schemas.openxmlformats.org/drawingml/2006/main" xmlns:r="http://schemas.openxmlformats.org/officeDocument/2006/relationships" xmlns:p="http://schemas.openxmlformats.org/presentationml/2006/main">
   <p:cSld>
     <p:spTree>
@@ -19428,7 +20188,170 @@
 </p:sld>
 </file>
 
-<file path=ppt/slides/slide19.xml><?xml version="1.0" encoding="utf-8"?>
+<file path=ppt/slides/slide2.xml><?xml version="1.0" encoding="utf-8"?>
+<p:sld xmlns:a="http://schemas.openxmlformats.org/drawingml/2006/main" xmlns:r="http://schemas.openxmlformats.org/officeDocument/2006/relationships" xmlns:p="http://schemas.openxmlformats.org/presentationml/2006/main">
+  <p:cSld>
+    <p:bg>
+      <p:bgPr>
+        <a:solidFill>
+          <a:schemeClr val="bg1"/>
+        </a:solidFill>
+        <a:effectLst/>
+      </p:bgPr>
+    </p:bg>
+    <p:spTree>
+      <p:nvGrpSpPr>
+        <p:cNvPr id="1" name=""/>
+        <p:cNvGrpSpPr/>
+        <p:nvPr/>
+      </p:nvGrpSpPr>
+      <p:grpSpPr>
+        <a:xfrm>
+          <a:off x="0" y="0"/>
+          <a:ext cx="0" cy="0"/>
+          <a:chOff x="0" y="0"/>
+          <a:chExt cx="0" cy="0"/>
+        </a:xfrm>
+      </p:grpSpPr>
+      <p:sp>
+        <p:nvSpPr>
+          <p:cNvPr id="17" name="Rectangle 7">
+            <a:extLst>
+              <a:ext uri="{FF2B5EF4-FFF2-40B4-BE49-F238E27FC236}">
+                <a16:creationId xmlns:a16="http://schemas.microsoft.com/office/drawing/2014/main" id="{51D98CAC-3EFF-4342-BD5A-6C0E8CAB4C1A}"/>
+              </a:ext>
+              <a:ext uri="{C183D7F6-B498-43B3-948B-1728B52AA6E4}">
+                <adec:decorative xmlns:adec="http://schemas.microsoft.com/office/drawing/2017/decorative" val="1"/>
+              </a:ext>
+            </a:extLst>
+          </p:cNvPr>
+          <p:cNvSpPr>
+            <a:spLocks noGrp="1" noRot="1" noChangeAspect="1" noMove="1" noResize="1" noEditPoints="1" noAdjustHandles="1" noChangeArrowheads="1" noChangeShapeType="1" noTextEdit="1"/>
+          </p:cNvSpPr>
+          <p:nvPr>
+            <p:extLst>
+              <p:ext uri="{386F3935-93C4-4BCD-93E2-E3B085C9AB24}">
+                <p16:designElem xmlns:p16="http://schemas.microsoft.com/office/powerpoint/2015/main" val="1"/>
+              </p:ext>
+            </p:extLst>
+          </p:nvPr>
+        </p:nvSpPr>
+        <p:spPr>
+          <a:xfrm flipV="1">
+            <a:off x="838200" y="520700"/>
+            <a:ext cx="10515600" cy="3486150"/>
+          </a:xfrm>
+          <a:prstGeom prst="rect">
+            <a:avLst/>
+          </a:prstGeom>
+          <a:solidFill>
+            <a:schemeClr val="accent1"/>
+          </a:solidFill>
+          <a:ln>
+            <a:noFill/>
+          </a:ln>
+        </p:spPr>
+        <p:style>
+          <a:lnRef idx="2">
+            <a:schemeClr val="accent1">
+              <a:shade val="50000"/>
+            </a:schemeClr>
+          </a:lnRef>
+          <a:fillRef idx="1">
+            <a:schemeClr val="accent1"/>
+          </a:fillRef>
+          <a:effectRef idx="0">
+            <a:schemeClr val="accent1"/>
+          </a:effectRef>
+          <a:fontRef idx="minor">
+            <a:schemeClr val="lt1"/>
+          </a:fontRef>
+        </p:style>
+        <p:txBody>
+          <a:bodyPr rtlCol="0" anchor="ctr"/>
+          <a:lstStyle/>
+          <a:p>
+            <a:pPr algn="ctr"/>
+            <a:endParaRPr lang="en-US"/>
+          </a:p>
+        </p:txBody>
+      </p:sp>
+      <p:sp>
+        <p:nvSpPr>
+          <p:cNvPr id="2" name="Título 1"/>
+          <p:cNvSpPr>
+            <a:spLocks noGrp="1"/>
+          </p:cNvSpPr>
+          <p:nvPr>
+            <p:ph type="ctrTitle"/>
+          </p:nvPr>
+        </p:nvSpPr>
+        <p:spPr>
+          <a:xfrm>
+            <a:off x="1330325" y="958852"/>
+            <a:ext cx="9531350" cy="2514597"/>
+          </a:xfrm>
+        </p:spPr>
+        <p:txBody>
+          <a:bodyPr anchor="b">
+            <a:normAutofit/>
+          </a:bodyPr>
+          <a:lstStyle/>
+          <a:p>
+            <a:r>
+              <a:rPr lang="es-ES" sz="8000" dirty="0">
+                <a:solidFill>
+                  <a:srgbClr val="FFFFFF"/>
+                </a:solidFill>
+              </a:rPr>
+              <a:t>Tablas</a:t>
+            </a:r>
+          </a:p>
+        </p:txBody>
+      </p:sp>
+      <p:sp>
+        <p:nvSpPr>
+          <p:cNvPr id="3" name="Subtítulo 2"/>
+          <p:cNvSpPr>
+            <a:spLocks noGrp="1"/>
+          </p:cNvSpPr>
+          <p:nvPr>
+            <p:ph type="subTitle" idx="1"/>
+          </p:nvPr>
+        </p:nvSpPr>
+        <p:spPr>
+          <a:xfrm>
+            <a:off x="1330324" y="4305300"/>
+            <a:ext cx="9585326" cy="1454150"/>
+          </a:xfrm>
+        </p:spPr>
+        <p:txBody>
+          <a:bodyPr>
+            <a:normAutofit/>
+          </a:bodyPr>
+          <a:lstStyle/>
+          <a:p>
+            <a:r>
+              <a:rPr lang="es-ES" sz="3200" b="1" dirty="0"/>
+              <a:t>Formadora: Diana Aguilera Reyna</a:t>
+            </a:r>
+          </a:p>
+        </p:txBody>
+      </p:sp>
+    </p:spTree>
+    <p:extLst>
+      <p:ext uri="{BB962C8B-B14F-4D97-AF65-F5344CB8AC3E}">
+        <p14:creationId xmlns:p14="http://schemas.microsoft.com/office/powerpoint/2010/main" val="3117351895"/>
+      </p:ext>
+    </p:extLst>
+  </p:cSld>
+  <p:clrMapOvr>
+    <a:masterClrMapping/>
+  </p:clrMapOvr>
+</p:sld>
+</file>
+
+<file path=ppt/slides/slide20.xml><?xml version="1.0" encoding="utf-8"?>
 <p:sld xmlns:a="http://schemas.openxmlformats.org/drawingml/2006/main" xmlns:r="http://schemas.openxmlformats.org/officeDocument/2006/relationships" xmlns:p="http://schemas.openxmlformats.org/presentationml/2006/main">
   <p:cSld>
     <p:spTree>
@@ -19784,97 +20707,7 @@
 </p:sld>
 </file>
 
-<file path=ppt/slides/slide2.xml><?xml version="1.0" encoding="utf-8"?>
-<p:sld xmlns:a="http://schemas.openxmlformats.org/drawingml/2006/main" xmlns:r="http://schemas.openxmlformats.org/officeDocument/2006/relationships" xmlns:p="http://schemas.openxmlformats.org/presentationml/2006/main">
-  <p:cSld>
-    <p:spTree>
-      <p:nvGrpSpPr>
-        <p:cNvPr id="1" name=""/>
-        <p:cNvGrpSpPr/>
-        <p:nvPr/>
-      </p:nvGrpSpPr>
-      <p:grpSpPr>
-        <a:xfrm>
-          <a:off x="0" y="0"/>
-          <a:ext cx="0" cy="0"/>
-          <a:chOff x="0" y="0"/>
-          <a:chExt cx="0" cy="0"/>
-        </a:xfrm>
-      </p:grpSpPr>
-      <p:sp>
-        <p:nvSpPr>
-          <p:cNvPr id="2" name="Título 1"/>
-          <p:cNvSpPr>
-            <a:spLocks noGrp="1"/>
-          </p:cNvSpPr>
-          <p:nvPr>
-            <p:ph type="title"/>
-          </p:nvPr>
-        </p:nvSpPr>
-        <p:spPr>
-          <a:xfrm>
-            <a:off x="838200" y="365125"/>
-            <a:ext cx="10515600" cy="1325563"/>
-          </a:xfrm>
-        </p:spPr>
-        <p:txBody>
-          <a:bodyPr anchor="ctr">
-            <a:normAutofit/>
-          </a:bodyPr>
-          <a:lstStyle/>
-          <a:p>
-            <a:r>
-              <a:rPr lang="es-ES" dirty="0"/>
-              <a:t>Contenido</a:t>
-            </a:r>
-          </a:p>
-        </p:txBody>
-      </p:sp>
-      <p:graphicFrame>
-        <p:nvGraphicFramePr>
-          <p:cNvPr id="5" name="Marcador de contenido 2">
-            <a:extLst>
-              <a:ext uri="{FF2B5EF4-FFF2-40B4-BE49-F238E27FC236}">
-                <a16:creationId xmlns:a16="http://schemas.microsoft.com/office/drawing/2014/main" id="{A4A69502-3FCD-19CD-5FFA-5ABA13CCAAF8}"/>
-              </a:ext>
-            </a:extLst>
-          </p:cNvPr>
-          <p:cNvGraphicFramePr>
-            <a:graphicFrameLocks noGrp="1"/>
-          </p:cNvGraphicFramePr>
-          <p:nvPr>
-            <p:ph idx="1"/>
-            <p:extLst>
-              <p:ext uri="{D42A27DB-BD31-4B8C-83A1-F6EECF244321}">
-                <p14:modId xmlns:p14="http://schemas.microsoft.com/office/powerpoint/2010/main" val="2602465853"/>
-              </p:ext>
-            </p:extLst>
-          </p:nvPr>
-        </p:nvGraphicFramePr>
-        <p:xfrm>
-          <a:off x="838200" y="1825625"/>
-          <a:ext cx="10515600" cy="4351338"/>
-        </p:xfrm>
-        <a:graphic>
-          <a:graphicData uri="http://schemas.openxmlformats.org/drawingml/2006/diagram">
-            <dgm:relIds xmlns:dgm="http://schemas.openxmlformats.org/drawingml/2006/diagram" xmlns:r="http://schemas.openxmlformats.org/officeDocument/2006/relationships" r:dm="rId2" r:lo="rId3" r:qs="rId4" r:cs="rId5"/>
-          </a:graphicData>
-        </a:graphic>
-      </p:graphicFrame>
-    </p:spTree>
-    <p:extLst>
-      <p:ext uri="{BB962C8B-B14F-4D97-AF65-F5344CB8AC3E}">
-        <p14:creationId xmlns:p14="http://schemas.microsoft.com/office/powerpoint/2010/main" val="3562854594"/>
-      </p:ext>
-    </p:extLst>
-  </p:cSld>
-  <p:clrMapOvr>
-    <a:masterClrMapping/>
-  </p:clrMapOvr>
-</p:sld>
-</file>
-
-<file path=ppt/slides/slide20.xml><?xml version="1.0" encoding="utf-8"?>
+<file path=ppt/slides/slide21.xml><?xml version="1.0" encoding="utf-8"?>
 <p:sld xmlns:a="http://schemas.openxmlformats.org/drawingml/2006/main" xmlns:r="http://schemas.openxmlformats.org/officeDocument/2006/relationships" xmlns:p="http://schemas.openxmlformats.org/presentationml/2006/main">
   <p:cSld>
     <p:spTree>
@@ -20363,7 +21196,7 @@
 </p:sld>
 </file>
 
-<file path=ppt/slides/slide21.xml><?xml version="1.0" encoding="utf-8"?>
+<file path=ppt/slides/slide22.xml><?xml version="1.0" encoding="utf-8"?>
 <p:sld xmlns:a="http://schemas.openxmlformats.org/drawingml/2006/main" xmlns:r="http://schemas.openxmlformats.org/officeDocument/2006/relationships" xmlns:p="http://schemas.openxmlformats.org/presentationml/2006/main">
   <p:cSld>
     <p:spTree>
@@ -20812,7 +21645,7 @@
 </p:sld>
 </file>
 
-<file path=ppt/slides/slide22.xml><?xml version="1.0" encoding="utf-8"?>
+<file path=ppt/slides/slide23.xml><?xml version="1.0" encoding="utf-8"?>
 <p:sld xmlns:a="http://schemas.openxmlformats.org/drawingml/2006/main" xmlns:r="http://schemas.openxmlformats.org/officeDocument/2006/relationships" xmlns:p="http://schemas.openxmlformats.org/presentationml/2006/main">
   <p:cSld>
     <p:spTree>
@@ -21163,7 +21996,7 @@
 </p:sld>
 </file>
 
-<file path=ppt/slides/slide23.xml><?xml version="1.0" encoding="utf-8"?>
+<file path=ppt/slides/slide24.xml><?xml version="1.0" encoding="utf-8"?>
 <p:sld xmlns:a="http://schemas.openxmlformats.org/drawingml/2006/main" xmlns:r="http://schemas.openxmlformats.org/officeDocument/2006/relationships" xmlns:p="http://schemas.openxmlformats.org/presentationml/2006/main">
   <p:cSld>
     <p:spTree>
@@ -21241,7 +22074,7 @@
 </p:sld>
 </file>
 
-<file path=ppt/slides/slide24.xml><?xml version="1.0" encoding="utf-8"?>
+<file path=ppt/slides/slide25.xml><?xml version="1.0" encoding="utf-8"?>
 <p:sld xmlns:a="http://schemas.openxmlformats.org/drawingml/2006/main" xmlns:r="http://schemas.openxmlformats.org/officeDocument/2006/relationships" xmlns:p="http://schemas.openxmlformats.org/presentationml/2006/main">
   <p:cSld>
     <p:spTree>
@@ -21840,7 +22673,7 @@
 </p:sld>
 </file>
 
-<file path=ppt/slides/slide25.xml><?xml version="1.0" encoding="utf-8"?>
+<file path=ppt/slides/slide26.xml><?xml version="1.0" encoding="utf-8"?>
 <p:sld xmlns:a="http://schemas.openxmlformats.org/drawingml/2006/main" xmlns:r="http://schemas.openxmlformats.org/officeDocument/2006/relationships" xmlns:p="http://schemas.openxmlformats.org/presentationml/2006/main">
   <p:cSld>
     <p:spTree>
@@ -22392,7 +23225,7 @@
 </p:sld>
 </file>
 
-<file path=ppt/slides/slide26.xml><?xml version="1.0" encoding="utf-8"?>
+<file path=ppt/slides/slide27.xml><?xml version="1.0" encoding="utf-8"?>
 <p:sld xmlns:a="http://schemas.openxmlformats.org/drawingml/2006/main" xmlns:r="http://schemas.openxmlformats.org/officeDocument/2006/relationships" xmlns:p="http://schemas.openxmlformats.org/presentationml/2006/main">
   <p:cSld>
     <p:spTree>
@@ -22468,7 +23301,7 @@
 </p:sld>
 </file>
 
-<file path=ppt/slides/slide27.xml><?xml version="1.0" encoding="utf-8"?>
+<file path=ppt/slides/slide28.xml><?xml version="1.0" encoding="utf-8"?>
 <p:sld xmlns:a="http://schemas.openxmlformats.org/drawingml/2006/main" xmlns:r="http://schemas.openxmlformats.org/officeDocument/2006/relationships" xmlns:p="http://schemas.openxmlformats.org/presentationml/2006/main">
   <p:cSld>
     <p:spTree>
@@ -22742,7 +23575,7 @@
 </p:sld>
 </file>
 
-<file path=ppt/slides/slide28.xml><?xml version="1.0" encoding="utf-8"?>
+<file path=ppt/slides/slide29.xml><?xml version="1.0" encoding="utf-8"?>
 <p:sld xmlns:a="http://schemas.openxmlformats.org/drawingml/2006/main" xmlns:r="http://schemas.openxmlformats.org/officeDocument/2006/relationships" xmlns:p="http://schemas.openxmlformats.org/presentationml/2006/main">
   <p:cSld>
     <p:spTree>
@@ -23403,7 +24236,97 @@
 </p:sld>
 </file>
 
-<file path=ppt/slides/slide29.xml><?xml version="1.0" encoding="utf-8"?>
+<file path=ppt/slides/slide3.xml><?xml version="1.0" encoding="utf-8"?>
+<p:sld xmlns:a="http://schemas.openxmlformats.org/drawingml/2006/main" xmlns:r="http://schemas.openxmlformats.org/officeDocument/2006/relationships" xmlns:p="http://schemas.openxmlformats.org/presentationml/2006/main">
+  <p:cSld>
+    <p:spTree>
+      <p:nvGrpSpPr>
+        <p:cNvPr id="1" name=""/>
+        <p:cNvGrpSpPr/>
+        <p:nvPr/>
+      </p:nvGrpSpPr>
+      <p:grpSpPr>
+        <a:xfrm>
+          <a:off x="0" y="0"/>
+          <a:ext cx="0" cy="0"/>
+          <a:chOff x="0" y="0"/>
+          <a:chExt cx="0" cy="0"/>
+        </a:xfrm>
+      </p:grpSpPr>
+      <p:sp>
+        <p:nvSpPr>
+          <p:cNvPr id="2" name="Título 1"/>
+          <p:cNvSpPr>
+            <a:spLocks noGrp="1"/>
+          </p:cNvSpPr>
+          <p:nvPr>
+            <p:ph type="title"/>
+          </p:nvPr>
+        </p:nvSpPr>
+        <p:spPr>
+          <a:xfrm>
+            <a:off x="838200" y="365125"/>
+            <a:ext cx="10515600" cy="1325563"/>
+          </a:xfrm>
+        </p:spPr>
+        <p:txBody>
+          <a:bodyPr anchor="ctr">
+            <a:normAutofit/>
+          </a:bodyPr>
+          <a:lstStyle/>
+          <a:p>
+            <a:r>
+              <a:rPr lang="es-ES" dirty="0"/>
+              <a:t>Contenido</a:t>
+            </a:r>
+          </a:p>
+        </p:txBody>
+      </p:sp>
+      <p:graphicFrame>
+        <p:nvGraphicFramePr>
+          <p:cNvPr id="5" name="Marcador de contenido 2">
+            <a:extLst>
+              <a:ext uri="{FF2B5EF4-FFF2-40B4-BE49-F238E27FC236}">
+                <a16:creationId xmlns:a16="http://schemas.microsoft.com/office/drawing/2014/main" id="{A4A69502-3FCD-19CD-5FFA-5ABA13CCAAF8}"/>
+              </a:ext>
+            </a:extLst>
+          </p:cNvPr>
+          <p:cNvGraphicFramePr>
+            <a:graphicFrameLocks noGrp="1"/>
+          </p:cNvGraphicFramePr>
+          <p:nvPr>
+            <p:ph idx="1"/>
+            <p:extLst>
+              <p:ext uri="{D42A27DB-BD31-4B8C-83A1-F6EECF244321}">
+                <p14:modId xmlns:p14="http://schemas.microsoft.com/office/powerpoint/2010/main" val="2602465853"/>
+              </p:ext>
+            </p:extLst>
+          </p:nvPr>
+        </p:nvGraphicFramePr>
+        <p:xfrm>
+          <a:off x="838200" y="1825625"/>
+          <a:ext cx="10515600" cy="4351338"/>
+        </p:xfrm>
+        <a:graphic>
+          <a:graphicData uri="http://schemas.openxmlformats.org/drawingml/2006/diagram">
+            <dgm:relIds xmlns:dgm="http://schemas.openxmlformats.org/drawingml/2006/diagram" xmlns:r="http://schemas.openxmlformats.org/officeDocument/2006/relationships" r:dm="rId2" r:lo="rId3" r:qs="rId4" r:cs="rId5"/>
+          </a:graphicData>
+        </a:graphic>
+      </p:graphicFrame>
+    </p:spTree>
+    <p:extLst>
+      <p:ext uri="{BB962C8B-B14F-4D97-AF65-F5344CB8AC3E}">
+        <p14:creationId xmlns:p14="http://schemas.microsoft.com/office/powerpoint/2010/main" val="3562854594"/>
+      </p:ext>
+    </p:extLst>
+  </p:cSld>
+  <p:clrMapOvr>
+    <a:masterClrMapping/>
+  </p:clrMapOvr>
+</p:sld>
+</file>
+
+<file path=ppt/slides/slide30.xml><?xml version="1.0" encoding="utf-8"?>
 <p:sld xmlns:a="http://schemas.openxmlformats.org/drawingml/2006/main" xmlns:r="http://schemas.openxmlformats.org/officeDocument/2006/relationships" xmlns:p="http://schemas.openxmlformats.org/presentationml/2006/main">
   <p:cSld>
     <p:bg>
@@ -24187,127 +25110,7 @@
 </p:sld>
 </file>
 
-<file path=ppt/slides/slide3.xml><?xml version="1.0" encoding="utf-8"?>
-<p:sld xmlns:a="http://schemas.openxmlformats.org/drawingml/2006/main" xmlns:r="http://schemas.openxmlformats.org/officeDocument/2006/relationships" xmlns:p="http://schemas.openxmlformats.org/presentationml/2006/main">
-  <p:cSld>
-    <p:spTree>
-      <p:nvGrpSpPr>
-        <p:cNvPr id="1" name=""/>
-        <p:cNvGrpSpPr/>
-        <p:nvPr/>
-      </p:nvGrpSpPr>
-      <p:grpSpPr>
-        <a:xfrm>
-          <a:off x="0" y="0"/>
-          <a:ext cx="0" cy="0"/>
-          <a:chOff x="0" y="0"/>
-          <a:chExt cx="0" cy="0"/>
-        </a:xfrm>
-      </p:grpSpPr>
-      <p:sp>
-        <p:nvSpPr>
-          <p:cNvPr id="2" name="Título 1"/>
-          <p:cNvSpPr>
-            <a:spLocks noGrp="1"/>
-          </p:cNvSpPr>
-          <p:nvPr>
-            <p:ph type="title"/>
-          </p:nvPr>
-        </p:nvSpPr>
-        <p:spPr>
-          <a:xfrm>
-            <a:off x="838200" y="365125"/>
-            <a:ext cx="10515600" cy="1325563"/>
-          </a:xfrm>
-        </p:spPr>
-        <p:txBody>
-          <a:bodyPr anchor="ctr">
-            <a:normAutofit/>
-          </a:bodyPr>
-          <a:lstStyle/>
-          <a:p>
-            <a:r>
-              <a:rPr lang="es-ES" dirty="0"/>
-              <a:t>Formato de celdas</a:t>
-            </a:r>
-          </a:p>
-        </p:txBody>
-      </p:sp>
-      <p:sp>
-        <p:nvSpPr>
-          <p:cNvPr id="3" name="Marcador de contenido 2"/>
-          <p:cNvSpPr>
-            <a:spLocks noGrp="1"/>
-          </p:cNvSpPr>
-          <p:nvPr>
-            <p:ph sz="half" idx="1"/>
-          </p:nvPr>
-        </p:nvSpPr>
-        <p:spPr>
-          <a:xfrm>
-            <a:off x="838200" y="1825625"/>
-            <a:ext cx="5181600" cy="4351338"/>
-          </a:xfrm>
-        </p:spPr>
-        <p:txBody>
-          <a:bodyPr>
-            <a:normAutofit/>
-          </a:bodyPr>
-          <a:lstStyle/>
-          <a:p>
-            <a:endParaRPr lang="es-ES" dirty="0">
-              <a:effectLst/>
-            </a:endParaRPr>
-          </a:p>
-          <a:p>
-            <a:r>
-              <a:rPr lang="es-ES" dirty="0"/>
-              <a:t>Alineación</a:t>
-            </a:r>
-          </a:p>
-          <a:p>
-            <a:r>
-              <a:rPr lang="es-ES" dirty="0"/>
-              <a:t>Bordes</a:t>
-            </a:r>
-          </a:p>
-          <a:p>
-            <a:r>
-              <a:rPr lang="es-ES" dirty="0"/>
-              <a:t>Tramas</a:t>
-            </a:r>
-          </a:p>
-          <a:p>
-            <a:r>
-              <a:rPr lang="es-ES" dirty="0"/>
-              <a:t>Ocultar</a:t>
-            </a:r>
-          </a:p>
-          <a:p>
-            <a:r>
-              <a:rPr lang="es-ES" dirty="0"/>
-              <a:t>Proteger</a:t>
-            </a:r>
-          </a:p>
-          <a:p>
-            <a:endParaRPr lang="es-ES" dirty="0"/>
-          </a:p>
-        </p:txBody>
-      </p:sp>
-    </p:spTree>
-    <p:extLst>
-      <p:ext uri="{BB962C8B-B14F-4D97-AF65-F5344CB8AC3E}">
-        <p14:creationId xmlns:p14="http://schemas.microsoft.com/office/powerpoint/2010/main" val="41394604"/>
-      </p:ext>
-    </p:extLst>
-  </p:cSld>
-  <p:clrMapOvr>
-    <a:masterClrMapping/>
-  </p:clrMapOvr>
-</p:sld>
-</file>
-
-<file path=ppt/slides/slide30.xml><?xml version="1.0" encoding="utf-8"?>
+<file path=ppt/slides/slide31.xml><?xml version="1.0" encoding="utf-8"?>
 <p:sld xmlns:a="http://schemas.openxmlformats.org/drawingml/2006/main" xmlns:r="http://schemas.openxmlformats.org/officeDocument/2006/relationships" xmlns:p="http://schemas.openxmlformats.org/presentationml/2006/main">
   <p:cSld>
     <p:spTree>
@@ -24614,7 +25417,7 @@
 </p:sld>
 </file>
 
-<file path=ppt/slides/slide31.xml><?xml version="1.0" encoding="utf-8"?>
+<file path=ppt/slides/slide32.xml><?xml version="1.0" encoding="utf-8"?>
 <p:sld xmlns:a="http://schemas.openxmlformats.org/drawingml/2006/main" xmlns:r="http://schemas.openxmlformats.org/officeDocument/2006/relationships" xmlns:p="http://schemas.openxmlformats.org/presentationml/2006/main">
   <p:cSld>
     <p:spTree>
@@ -25062,7 +25865,7 @@
 </p:sld>
 </file>
 
-<file path=ppt/slides/slide32.xml><?xml version="1.0" encoding="utf-8"?>
+<file path=ppt/slides/slide33.xml><?xml version="1.0" encoding="utf-8"?>
 <p:sld xmlns:a="http://schemas.openxmlformats.org/drawingml/2006/main" xmlns:r="http://schemas.openxmlformats.org/officeDocument/2006/relationships" xmlns:p="http://schemas.openxmlformats.org/presentationml/2006/main">
   <p:cSld>
     <p:bg>
@@ -25603,7 +26406,7 @@
 </p:sld>
 </file>
 
-<file path=ppt/slides/slide33.xml><?xml version="1.0" encoding="utf-8"?>
+<file path=ppt/slides/slide34.xml><?xml version="1.0" encoding="utf-8"?>
 <p:sld xmlns:a="http://schemas.openxmlformats.org/drawingml/2006/main" xmlns:r="http://schemas.openxmlformats.org/officeDocument/2006/relationships" xmlns:p="http://schemas.openxmlformats.org/presentationml/2006/main">
   <p:cSld>
     <p:spTree>
@@ -26100,7 +26903,7 @@
 </p:sld>
 </file>
 
-<file path=ppt/slides/slide34.xml><?xml version="1.0" encoding="utf-8"?>
+<file path=ppt/slides/slide35.xml><?xml version="1.0" encoding="utf-8"?>
 <p:sld xmlns:a="http://schemas.openxmlformats.org/drawingml/2006/main" xmlns:r="http://schemas.openxmlformats.org/officeDocument/2006/relationships" xmlns:p="http://schemas.openxmlformats.org/presentationml/2006/main">
   <p:cSld>
     <p:spTree>
@@ -26591,7 +27394,7 @@
 </p:sld>
 </file>
 
-<file path=ppt/slides/slide35.xml><?xml version="1.0" encoding="utf-8"?>
+<file path=ppt/slides/slide36.xml><?xml version="1.0" encoding="utf-8"?>
 <p:sld xmlns:a="http://schemas.openxmlformats.org/drawingml/2006/main" xmlns:r="http://schemas.openxmlformats.org/officeDocument/2006/relationships" xmlns:p="http://schemas.openxmlformats.org/presentationml/2006/main">
   <p:cSld>
     <p:spTree>
@@ -26941,7 +27744,7 @@
 </p:sld>
 </file>
 
-<file path=ppt/slides/slide36.xml><?xml version="1.0" encoding="utf-8"?>
+<file path=ppt/slides/slide37.xml><?xml version="1.0" encoding="utf-8"?>
 <p:sld xmlns:a="http://schemas.openxmlformats.org/drawingml/2006/main" xmlns:r="http://schemas.openxmlformats.org/officeDocument/2006/relationships" xmlns:p="http://schemas.openxmlformats.org/presentationml/2006/main">
   <p:cSld>
     <p:spTree>
@@ -27139,7 +27942,7 @@
 </p:sld>
 </file>
 
-<file path=ppt/slides/slide37.xml><?xml version="1.0" encoding="utf-8"?>
+<file path=ppt/slides/slide38.xml><?xml version="1.0" encoding="utf-8"?>
 <p:sld xmlns:a="http://schemas.openxmlformats.org/drawingml/2006/main" xmlns:r="http://schemas.openxmlformats.org/officeDocument/2006/relationships" xmlns:p="http://schemas.openxmlformats.org/presentationml/2006/main">
   <p:cSld>
     <p:spTree>
@@ -27481,7 +28284,7 @@
 </p:sld>
 </file>
 
-<file path=ppt/slides/slide38.xml><?xml version="1.0" encoding="utf-8"?>
+<file path=ppt/slides/slide39.xml><?xml version="1.0" encoding="utf-8"?>
 <p:sld xmlns:a="http://schemas.openxmlformats.org/drawingml/2006/main" xmlns:r="http://schemas.openxmlformats.org/officeDocument/2006/relationships" xmlns:p="http://schemas.openxmlformats.org/presentationml/2006/main">
   <p:cSld>
     <p:spTree>
@@ -28043,7 +28846,127 @@
 </p:sld>
 </file>
 
-<file path=ppt/slides/slide39.xml><?xml version="1.0" encoding="utf-8"?>
+<file path=ppt/slides/slide4.xml><?xml version="1.0" encoding="utf-8"?>
+<p:sld xmlns:a="http://schemas.openxmlformats.org/drawingml/2006/main" xmlns:r="http://schemas.openxmlformats.org/officeDocument/2006/relationships" xmlns:p="http://schemas.openxmlformats.org/presentationml/2006/main">
+  <p:cSld>
+    <p:spTree>
+      <p:nvGrpSpPr>
+        <p:cNvPr id="1" name=""/>
+        <p:cNvGrpSpPr/>
+        <p:nvPr/>
+      </p:nvGrpSpPr>
+      <p:grpSpPr>
+        <a:xfrm>
+          <a:off x="0" y="0"/>
+          <a:ext cx="0" cy="0"/>
+          <a:chOff x="0" y="0"/>
+          <a:chExt cx="0" cy="0"/>
+        </a:xfrm>
+      </p:grpSpPr>
+      <p:sp>
+        <p:nvSpPr>
+          <p:cNvPr id="2" name="Título 1"/>
+          <p:cNvSpPr>
+            <a:spLocks noGrp="1"/>
+          </p:cNvSpPr>
+          <p:nvPr>
+            <p:ph type="title"/>
+          </p:nvPr>
+        </p:nvSpPr>
+        <p:spPr>
+          <a:xfrm>
+            <a:off x="838200" y="365125"/>
+            <a:ext cx="10515600" cy="1325563"/>
+          </a:xfrm>
+        </p:spPr>
+        <p:txBody>
+          <a:bodyPr anchor="ctr">
+            <a:normAutofit/>
+          </a:bodyPr>
+          <a:lstStyle/>
+          <a:p>
+            <a:r>
+              <a:rPr lang="es-ES" dirty="0"/>
+              <a:t>Formato de celdas</a:t>
+            </a:r>
+          </a:p>
+        </p:txBody>
+      </p:sp>
+      <p:sp>
+        <p:nvSpPr>
+          <p:cNvPr id="3" name="Marcador de contenido 2"/>
+          <p:cNvSpPr>
+            <a:spLocks noGrp="1"/>
+          </p:cNvSpPr>
+          <p:nvPr>
+            <p:ph sz="half" idx="1"/>
+          </p:nvPr>
+        </p:nvSpPr>
+        <p:spPr>
+          <a:xfrm>
+            <a:off x="838200" y="1825625"/>
+            <a:ext cx="5181600" cy="4351338"/>
+          </a:xfrm>
+        </p:spPr>
+        <p:txBody>
+          <a:bodyPr>
+            <a:normAutofit/>
+          </a:bodyPr>
+          <a:lstStyle/>
+          <a:p>
+            <a:endParaRPr lang="es-ES" dirty="0">
+              <a:effectLst/>
+            </a:endParaRPr>
+          </a:p>
+          <a:p>
+            <a:r>
+              <a:rPr lang="es-ES" dirty="0"/>
+              <a:t>Alineación</a:t>
+            </a:r>
+          </a:p>
+          <a:p>
+            <a:r>
+              <a:rPr lang="es-ES" dirty="0"/>
+              <a:t>Bordes</a:t>
+            </a:r>
+          </a:p>
+          <a:p>
+            <a:r>
+              <a:rPr lang="es-ES" dirty="0"/>
+              <a:t>Tramas</a:t>
+            </a:r>
+          </a:p>
+          <a:p>
+            <a:r>
+              <a:rPr lang="es-ES" dirty="0"/>
+              <a:t>Ocultar</a:t>
+            </a:r>
+          </a:p>
+          <a:p>
+            <a:r>
+              <a:rPr lang="es-ES" dirty="0"/>
+              <a:t>Proteger</a:t>
+            </a:r>
+          </a:p>
+          <a:p>
+            <a:endParaRPr lang="es-ES" dirty="0"/>
+          </a:p>
+        </p:txBody>
+      </p:sp>
+    </p:spTree>
+    <p:extLst>
+      <p:ext uri="{BB962C8B-B14F-4D97-AF65-F5344CB8AC3E}">
+        <p14:creationId xmlns:p14="http://schemas.microsoft.com/office/powerpoint/2010/main" val="41394604"/>
+      </p:ext>
+    </p:extLst>
+  </p:cSld>
+  <p:clrMapOvr>
+    <a:masterClrMapping/>
+  </p:clrMapOvr>
+</p:sld>
+</file>
+
+<file path=ppt/slides/slide40.xml><?xml version="1.0" encoding="utf-8"?>
 <p:sld xmlns:a="http://schemas.openxmlformats.org/drawingml/2006/main" xmlns:r="http://schemas.openxmlformats.org/officeDocument/2006/relationships" xmlns:p="http://schemas.openxmlformats.org/presentationml/2006/main">
   <p:cSld>
     <p:spTree>
@@ -28303,97 +29226,7 @@
 </p:sld>
 </file>
 
-<file path=ppt/slides/slide4.xml><?xml version="1.0" encoding="utf-8"?>
-<p:sld xmlns:a="http://schemas.openxmlformats.org/drawingml/2006/main" xmlns:r="http://schemas.openxmlformats.org/officeDocument/2006/relationships" xmlns:p="http://schemas.openxmlformats.org/presentationml/2006/main">
-  <p:cSld>
-    <p:spTree>
-      <p:nvGrpSpPr>
-        <p:cNvPr id="1" name=""/>
-        <p:cNvGrpSpPr/>
-        <p:nvPr/>
-      </p:nvGrpSpPr>
-      <p:grpSpPr>
-        <a:xfrm>
-          <a:off x="0" y="0"/>
-          <a:ext cx="0" cy="0"/>
-          <a:chOff x="0" y="0"/>
-          <a:chExt cx="0" cy="0"/>
-        </a:xfrm>
-      </p:grpSpPr>
-      <p:sp>
-        <p:nvSpPr>
-          <p:cNvPr id="2" name="Título 1"/>
-          <p:cNvSpPr>
-            <a:spLocks noGrp="1"/>
-          </p:cNvSpPr>
-          <p:nvPr>
-            <p:ph type="title"/>
-          </p:nvPr>
-        </p:nvSpPr>
-        <p:spPr>
-          <a:xfrm>
-            <a:off x="838200" y="365125"/>
-            <a:ext cx="10515600" cy="1325563"/>
-          </a:xfrm>
-        </p:spPr>
-        <p:txBody>
-          <a:bodyPr anchor="ctr">
-            <a:normAutofit/>
-          </a:bodyPr>
-          <a:lstStyle/>
-          <a:p>
-            <a:r>
-              <a:rPr lang="es-ES" dirty="0"/>
-              <a:t>Formato condicional </a:t>
-            </a:r>
-          </a:p>
-        </p:txBody>
-      </p:sp>
-      <p:graphicFrame>
-        <p:nvGraphicFramePr>
-          <p:cNvPr id="5" name="Marcador de contenido 2">
-            <a:extLst>
-              <a:ext uri="{FF2B5EF4-FFF2-40B4-BE49-F238E27FC236}">
-                <a16:creationId xmlns:a16="http://schemas.microsoft.com/office/drawing/2014/main" id="{25DE013C-A5FD-1816-229B-63B910ABBA35}"/>
-              </a:ext>
-            </a:extLst>
-          </p:cNvPr>
-          <p:cNvGraphicFramePr>
-            <a:graphicFrameLocks noGrp="1"/>
-          </p:cNvGraphicFramePr>
-          <p:nvPr>
-            <p:ph idx="1"/>
-            <p:extLst>
-              <p:ext uri="{D42A27DB-BD31-4B8C-83A1-F6EECF244321}">
-                <p14:modId xmlns:p14="http://schemas.microsoft.com/office/powerpoint/2010/main" val="2360439291"/>
-              </p:ext>
-            </p:extLst>
-          </p:nvPr>
-        </p:nvGraphicFramePr>
-        <p:xfrm>
-          <a:off x="838200" y="1825625"/>
-          <a:ext cx="10515600" cy="4351338"/>
-        </p:xfrm>
-        <a:graphic>
-          <a:graphicData uri="http://schemas.openxmlformats.org/drawingml/2006/diagram">
-            <dgm:relIds xmlns:dgm="http://schemas.openxmlformats.org/drawingml/2006/diagram" xmlns:r="http://schemas.openxmlformats.org/officeDocument/2006/relationships" r:dm="rId2" r:lo="rId3" r:qs="rId4" r:cs="rId5"/>
-          </a:graphicData>
-        </a:graphic>
-      </p:graphicFrame>
-    </p:spTree>
-    <p:extLst>
-      <p:ext uri="{BB962C8B-B14F-4D97-AF65-F5344CB8AC3E}">
-        <p14:creationId xmlns:p14="http://schemas.microsoft.com/office/powerpoint/2010/main" val="4046168339"/>
-      </p:ext>
-    </p:extLst>
-  </p:cSld>
-  <p:clrMapOvr>
-    <a:masterClrMapping/>
-  </p:clrMapOvr>
-</p:sld>
-</file>
-
-<file path=ppt/slides/slide40.xml><?xml version="1.0" encoding="utf-8"?>
+<file path=ppt/slides/slide41.xml><?xml version="1.0" encoding="utf-8"?>
 <p:sld xmlns:a="http://schemas.openxmlformats.org/drawingml/2006/main" xmlns:r="http://schemas.openxmlformats.org/officeDocument/2006/relationships" xmlns:p="http://schemas.openxmlformats.org/presentationml/2006/main">
   <p:cSld>
     <p:spTree>
@@ -28792,7 +29625,7 @@
 </p:sld>
 </file>
 
-<file path=ppt/slides/slide41.xml><?xml version="1.0" encoding="utf-8"?>
+<file path=ppt/slides/slide42.xml><?xml version="1.0" encoding="utf-8"?>
 <p:sld xmlns:a="http://schemas.openxmlformats.org/drawingml/2006/main" xmlns:r="http://schemas.openxmlformats.org/officeDocument/2006/relationships" xmlns:p="http://schemas.openxmlformats.org/presentationml/2006/main">
   <p:cSld>
     <p:spTree>
@@ -28931,7 +29764,7 @@
 </p:sld>
 </file>
 
-<file path=ppt/slides/slide42.xml><?xml version="1.0" encoding="utf-8"?>
+<file path=ppt/slides/slide43.xml><?xml version="1.0" encoding="utf-8"?>
 <p:sld xmlns:a="http://schemas.openxmlformats.org/drawingml/2006/main" xmlns:r="http://schemas.openxmlformats.org/officeDocument/2006/relationships" xmlns:p="http://schemas.openxmlformats.org/presentationml/2006/main">
   <p:cSld>
     <p:spTree>
@@ -29154,7 +29987,7 @@
 </p:sld>
 </file>
 
-<file path=ppt/slides/slide43.xml><?xml version="1.0" encoding="utf-8"?>
+<file path=ppt/slides/slide44.xml><?xml version="1.0" encoding="utf-8"?>
 <p:sld xmlns:a="http://schemas.openxmlformats.org/drawingml/2006/main" xmlns:r="http://schemas.openxmlformats.org/officeDocument/2006/relationships" xmlns:p="http://schemas.openxmlformats.org/presentationml/2006/main">
   <p:cSld>
     <p:spTree>
@@ -29360,7 +30193,7 @@
 </p:sld>
 </file>
 
-<file path=ppt/slides/slide44.xml><?xml version="1.0" encoding="utf-8"?>
+<file path=ppt/slides/slide45.xml><?xml version="1.0" encoding="utf-8"?>
 <p:sld xmlns:a="http://schemas.openxmlformats.org/drawingml/2006/main" xmlns:r="http://schemas.openxmlformats.org/officeDocument/2006/relationships" xmlns:p="http://schemas.openxmlformats.org/presentationml/2006/main">
   <p:cSld>
     <p:spTree>
@@ -29700,7 +30533,7 @@
 </p:sld>
 </file>
 
-<file path=ppt/slides/slide45.xml><?xml version="1.0" encoding="utf-8"?>
+<file path=ppt/slides/slide46.xml><?xml version="1.0" encoding="utf-8"?>
 <p:sld xmlns:a="http://schemas.openxmlformats.org/drawingml/2006/main" xmlns:r="http://schemas.openxmlformats.org/officeDocument/2006/relationships" xmlns:p="http://schemas.openxmlformats.org/presentationml/2006/main">
   <p:cSld>
     <p:spTree>
@@ -29901,7 +30734,7 @@
 </p:sld>
 </file>
 
-<file path=ppt/slides/slide46.xml><?xml version="1.0" encoding="utf-8"?>
+<file path=ppt/slides/slide47.xml><?xml version="1.0" encoding="utf-8"?>
 <p:sld xmlns:a="http://schemas.openxmlformats.org/drawingml/2006/main" xmlns:r="http://schemas.openxmlformats.org/officeDocument/2006/relationships" xmlns:p="http://schemas.openxmlformats.org/presentationml/2006/main">
   <p:cSld>
     <p:spTree>
@@ -30173,7 +31006,7 @@
 </p:sld>
 </file>
 
-<file path=ppt/slides/slide47.xml><?xml version="1.0" encoding="utf-8"?>
+<file path=ppt/slides/slide48.xml><?xml version="1.0" encoding="utf-8"?>
 <p:sld xmlns:a="http://schemas.openxmlformats.org/drawingml/2006/main" xmlns:r="http://schemas.openxmlformats.org/officeDocument/2006/relationships" xmlns:p="http://schemas.openxmlformats.org/presentationml/2006/main">
   <p:cSld>
     <p:spTree>
@@ -30458,6 +31291,96 @@
       </p:grpSpPr>
       <p:sp>
         <p:nvSpPr>
+          <p:cNvPr id="2" name="Título 1"/>
+          <p:cNvSpPr>
+            <a:spLocks noGrp="1"/>
+          </p:cNvSpPr>
+          <p:nvPr>
+            <p:ph type="title"/>
+          </p:nvPr>
+        </p:nvSpPr>
+        <p:spPr>
+          <a:xfrm>
+            <a:off x="838200" y="365125"/>
+            <a:ext cx="10515600" cy="1325563"/>
+          </a:xfrm>
+        </p:spPr>
+        <p:txBody>
+          <a:bodyPr anchor="ctr">
+            <a:normAutofit/>
+          </a:bodyPr>
+          <a:lstStyle/>
+          <a:p>
+            <a:r>
+              <a:rPr lang="es-ES" dirty="0"/>
+              <a:t>Formato condicional </a:t>
+            </a:r>
+          </a:p>
+        </p:txBody>
+      </p:sp>
+      <p:graphicFrame>
+        <p:nvGraphicFramePr>
+          <p:cNvPr id="5" name="Marcador de contenido 2">
+            <a:extLst>
+              <a:ext uri="{FF2B5EF4-FFF2-40B4-BE49-F238E27FC236}">
+                <a16:creationId xmlns:a16="http://schemas.microsoft.com/office/drawing/2014/main" id="{25DE013C-A5FD-1816-229B-63B910ABBA35}"/>
+              </a:ext>
+            </a:extLst>
+          </p:cNvPr>
+          <p:cNvGraphicFramePr>
+            <a:graphicFrameLocks noGrp="1"/>
+          </p:cNvGraphicFramePr>
+          <p:nvPr>
+            <p:ph idx="1"/>
+            <p:extLst>
+              <p:ext uri="{D42A27DB-BD31-4B8C-83A1-F6EECF244321}">
+                <p14:modId xmlns:p14="http://schemas.microsoft.com/office/powerpoint/2010/main" val="2360439291"/>
+              </p:ext>
+            </p:extLst>
+          </p:nvPr>
+        </p:nvGraphicFramePr>
+        <p:xfrm>
+          <a:off x="838200" y="1825625"/>
+          <a:ext cx="10515600" cy="4351338"/>
+        </p:xfrm>
+        <a:graphic>
+          <a:graphicData uri="http://schemas.openxmlformats.org/drawingml/2006/diagram">
+            <dgm:relIds xmlns:dgm="http://schemas.openxmlformats.org/drawingml/2006/diagram" xmlns:r="http://schemas.openxmlformats.org/officeDocument/2006/relationships" r:dm="rId2" r:lo="rId3" r:qs="rId4" r:cs="rId5"/>
+          </a:graphicData>
+        </a:graphic>
+      </p:graphicFrame>
+    </p:spTree>
+    <p:extLst>
+      <p:ext uri="{BB962C8B-B14F-4D97-AF65-F5344CB8AC3E}">
+        <p14:creationId xmlns:p14="http://schemas.microsoft.com/office/powerpoint/2010/main" val="4046168339"/>
+      </p:ext>
+    </p:extLst>
+  </p:cSld>
+  <p:clrMapOvr>
+    <a:masterClrMapping/>
+  </p:clrMapOvr>
+</p:sld>
+</file>
+
+<file path=ppt/slides/slide6.xml><?xml version="1.0" encoding="utf-8"?>
+<p:sld xmlns:a="http://schemas.openxmlformats.org/drawingml/2006/main" xmlns:r="http://schemas.openxmlformats.org/officeDocument/2006/relationships" xmlns:p="http://schemas.openxmlformats.org/presentationml/2006/main">
+  <p:cSld>
+    <p:spTree>
+      <p:nvGrpSpPr>
+        <p:cNvPr id="1" name=""/>
+        <p:cNvGrpSpPr/>
+        <p:nvPr/>
+      </p:nvGrpSpPr>
+      <p:grpSpPr>
+        <a:xfrm>
+          <a:off x="0" y="0"/>
+          <a:ext cx="0" cy="0"/>
+          <a:chOff x="0" y="0"/>
+          <a:chExt cx="0" cy="0"/>
+        </a:xfrm>
+      </p:grpSpPr>
+      <p:sp>
+        <p:nvSpPr>
           <p:cNvPr id="4" name="Título 3"/>
           <p:cNvSpPr>
             <a:spLocks noGrp="1"/>
@@ -31118,7 +32041,7 @@
 </p:sld>
 </file>
 
-<file path=ppt/slides/slide6.xml><?xml version="1.0" encoding="utf-8"?>
+<file path=ppt/slides/slide7.xml><?xml version="1.0" encoding="utf-8"?>
 <p:sld xmlns:a="http://schemas.openxmlformats.org/drawingml/2006/main" xmlns:r="http://schemas.openxmlformats.org/officeDocument/2006/relationships" xmlns:p="http://schemas.openxmlformats.org/presentationml/2006/main">
   <p:cSld>
     <p:spTree>
@@ -31585,7 +32508,7 @@
 </p:sld>
 </file>
 
-<file path=ppt/slides/slide7.xml><?xml version="1.0" encoding="utf-8"?>
+<file path=ppt/slides/slide8.xml><?xml version="1.0" encoding="utf-8"?>
 <p:sld xmlns:a="http://schemas.openxmlformats.org/drawingml/2006/main" xmlns:r="http://schemas.openxmlformats.org/officeDocument/2006/relationships" xmlns:p="http://schemas.openxmlformats.org/presentationml/2006/main">
   <p:cSld>
     <p:spTree>
@@ -32102,7 +33025,7 @@
 </p:sld>
 </file>
 
-<file path=ppt/slides/slide8.xml><?xml version="1.0" encoding="utf-8"?>
+<file path=ppt/slides/slide9.xml><?xml version="1.0" encoding="utf-8"?>
 <p:sld xmlns:a="http://schemas.openxmlformats.org/drawingml/2006/main" xmlns:r="http://schemas.openxmlformats.org/officeDocument/2006/relationships" xmlns:p="http://schemas.openxmlformats.org/presentationml/2006/main">
   <p:cSld>
     <p:spTree>
@@ -32574,646 +33497,6 @@
     <p:extLst>
       <p:ext uri="{BB962C8B-B14F-4D97-AF65-F5344CB8AC3E}">
         <p14:creationId xmlns:p14="http://schemas.microsoft.com/office/powerpoint/2010/main" val="1497890594"/>
-      </p:ext>
-    </p:extLst>
-  </p:cSld>
-  <p:clrMapOvr>
-    <a:masterClrMapping/>
-  </p:clrMapOvr>
-</p:sld>
-</file>
-
-<file path=ppt/slides/slide9.xml><?xml version="1.0" encoding="utf-8"?>
-<p:sld xmlns:a="http://schemas.openxmlformats.org/drawingml/2006/main" xmlns:r="http://schemas.openxmlformats.org/officeDocument/2006/relationships" xmlns:p="http://schemas.openxmlformats.org/presentationml/2006/main">
-  <p:cSld>
-    <p:spTree>
-      <p:nvGrpSpPr>
-        <p:cNvPr id="1" name=""/>
-        <p:cNvGrpSpPr/>
-        <p:nvPr/>
-      </p:nvGrpSpPr>
-      <p:grpSpPr>
-        <a:xfrm>
-          <a:off x="0" y="0"/>
-          <a:ext cx="0" cy="0"/>
-          <a:chOff x="0" y="0"/>
-          <a:chExt cx="0" cy="0"/>
-        </a:xfrm>
-      </p:grpSpPr>
-      <p:sp>
-        <p:nvSpPr>
-          <p:cNvPr id="2" name="Título 1"/>
-          <p:cNvSpPr>
-            <a:spLocks noGrp="1"/>
-          </p:cNvSpPr>
-          <p:nvPr>
-            <p:ph type="title"/>
-          </p:nvPr>
-        </p:nvSpPr>
-        <p:spPr/>
-        <p:txBody>
-          <a:bodyPr/>
-          <a:lstStyle/>
-          <a:p>
-            <a:r>
-              <a:rPr lang="es-ES" dirty="0"/>
-              <a:t>Reemplazar</a:t>
-            </a:r>
-            <a:br>
-              <a:rPr lang="es-ES" dirty="0"/>
-            </a:br>
-            <a:endParaRPr lang="es-ES" dirty="0"/>
-          </a:p>
-        </p:txBody>
-      </p:sp>
-      <p:sp>
-        <p:nvSpPr>
-          <p:cNvPr id="3" name="Marcador de contenido 2"/>
-          <p:cNvSpPr>
-            <a:spLocks noGrp="1"/>
-          </p:cNvSpPr>
-          <p:nvPr>
-            <p:ph idx="1"/>
-          </p:nvPr>
-        </p:nvSpPr>
-        <p:spPr>
-          <a:xfrm>
-            <a:off x="838200" y="1187258"/>
-            <a:ext cx="4981574" cy="5120640"/>
-          </a:xfrm>
-        </p:spPr>
-        <p:txBody>
-          <a:bodyPr>
-            <a:normAutofit fontScale="85000" lnSpcReduction="10000"/>
-          </a:bodyPr>
-          <a:lstStyle/>
-          <a:p>
-            <a:pPr marL="457200" indent="-457200">
-              <a:buFont typeface="+mj-lt"/>
-              <a:buAutoNum type="arabicPeriod"/>
-            </a:pPr>
-            <a:r>
-              <a:rPr lang="es-ES" dirty="0"/>
-              <a:t>Haga clic en la pestaña Inicio.</a:t>
-            </a:r>
-          </a:p>
-          <a:p>
-            <a:pPr marL="457200" indent="-457200">
-              <a:buFont typeface="+mj-lt"/>
-              <a:buAutoNum type="arabicPeriod"/>
-            </a:pPr>
-            <a:r>
-              <a:rPr lang="es-ES" dirty="0"/>
-              <a:t>En el grupo Edición, haga clic en Buscar y seleccionar.</a:t>
-            </a:r>
-          </a:p>
-          <a:p>
-            <a:pPr marL="457200" indent="-457200">
-              <a:buFont typeface="+mj-lt"/>
-              <a:buAutoNum type="arabicPeriod"/>
-            </a:pPr>
-            <a:r>
-              <a:rPr lang="es-ES" dirty="0"/>
-              <a:t>Haga clic en Reemplazar.</a:t>
-            </a:r>
-          </a:p>
-          <a:p>
-            <a:pPr marL="457200" indent="-457200">
-              <a:buFont typeface="+mj-lt"/>
-              <a:buAutoNum type="arabicPeriod"/>
-            </a:pPr>
-            <a:r>
-              <a:rPr lang="es-ES" dirty="0"/>
-              <a:t>Escriba el texto que desea reemplazar.</a:t>
-            </a:r>
-          </a:p>
-          <a:p>
-            <a:pPr marL="457200" indent="-457200">
-              <a:buFont typeface="+mj-lt"/>
-              <a:buAutoNum type="arabicPeriod"/>
-            </a:pPr>
-            <a:r>
-              <a:rPr lang="es-ES" dirty="0"/>
-              <a:t>Escriba el texto que desea tomar el lugar del texto existente.</a:t>
-            </a:r>
-          </a:p>
-          <a:p>
-            <a:pPr marL="457200" indent="-457200">
-              <a:buFont typeface="+mj-lt"/>
-              <a:buAutoNum type="arabicPeriod"/>
-            </a:pPr>
-            <a:r>
-              <a:rPr lang="es-ES" dirty="0"/>
-              <a:t>Haga clic en Buscar siguiente</a:t>
-            </a:r>
-          </a:p>
-          <a:p>
-            <a:pPr marL="457200" indent="-457200">
-              <a:buFont typeface="+mj-lt"/>
-              <a:buAutoNum type="arabicPeriod"/>
-            </a:pPr>
-            <a:r>
-              <a:rPr lang="es-ES" dirty="0"/>
-              <a:t>a continuación, haga clic en: Reemplazar todos, Reemplazar o buscar siguiente, según el caso.</a:t>
-            </a:r>
-          </a:p>
-          <a:p>
-            <a:pPr marL="457200" indent="-457200">
-              <a:buFont typeface="+mj-lt"/>
-              <a:buAutoNum type="arabicPeriod"/>
-            </a:pPr>
-            <a:r>
-              <a:rPr lang="es-ES" dirty="0"/>
-              <a:t>Haga clic en Cerrar.</a:t>
-            </a:r>
-          </a:p>
-          <a:p>
-            <a:pPr marL="960120" lvl="1" indent="-457200">
-              <a:buFont typeface="+mj-lt"/>
-              <a:buAutoNum type="arabicPeriod"/>
-            </a:pPr>
-            <a:endParaRPr lang="es-ES" dirty="0"/>
-          </a:p>
-        </p:txBody>
-      </p:sp>
-      <p:pic>
-        <p:nvPicPr>
-          <p:cNvPr id="11" name="Imagen 10"/>
-          <p:cNvPicPr>
-            <a:picLocks noChangeAspect="1"/>
-          </p:cNvPicPr>
-          <p:nvPr/>
-        </p:nvPicPr>
-        <p:blipFill>
-          <a:blip r:embed="rId2"/>
-          <a:stretch>
-            <a:fillRect/>
-          </a:stretch>
-        </p:blipFill>
-        <p:spPr>
-          <a:xfrm>
-            <a:off x="6901416" y="864108"/>
-            <a:ext cx="1638300" cy="1571625"/>
-          </a:xfrm>
-          <a:prstGeom prst="rect">
-            <a:avLst/>
-          </a:prstGeom>
-        </p:spPr>
-      </p:pic>
-      <p:sp>
-        <p:nvSpPr>
-          <p:cNvPr id="13" name="Elipse 12"/>
-          <p:cNvSpPr/>
-          <p:nvPr/>
-        </p:nvSpPr>
-        <p:spPr>
-          <a:xfrm>
-            <a:off x="7516111" y="1551017"/>
-            <a:ext cx="514350" cy="445770"/>
-          </a:xfrm>
-          <a:prstGeom prst="ellipse">
-            <a:avLst/>
-          </a:prstGeom>
-        </p:spPr>
-        <p:style>
-          <a:lnRef idx="2">
-            <a:schemeClr val="accent1">
-              <a:shade val="50000"/>
-            </a:schemeClr>
-          </a:lnRef>
-          <a:fillRef idx="1">
-            <a:schemeClr val="accent1"/>
-          </a:fillRef>
-          <a:effectRef idx="0">
-            <a:schemeClr val="accent1"/>
-          </a:effectRef>
-          <a:fontRef idx="minor">
-            <a:schemeClr val="lt1"/>
-          </a:fontRef>
-        </p:style>
-        <p:txBody>
-          <a:bodyPr rtlCol="0" anchor="ctr"/>
-          <a:lstStyle/>
-          <a:p>
-            <a:pPr algn="ctr"/>
-            <a:r>
-              <a:rPr lang="es-ES" dirty="0">
-                <a:latin typeface="Calibri" panose="020F0502020204030204" pitchFamily="34" charset="0"/>
-              </a:rPr>
-              <a:t>1</a:t>
-            </a:r>
-          </a:p>
-        </p:txBody>
-      </p:sp>
-      <p:pic>
-        <p:nvPicPr>
-          <p:cNvPr id="12" name="Imagen 11"/>
-          <p:cNvPicPr>
-            <a:picLocks noChangeAspect="1"/>
-          </p:cNvPicPr>
-          <p:nvPr/>
-        </p:nvPicPr>
-        <p:blipFill>
-          <a:blip r:embed="rId3"/>
-          <a:stretch>
-            <a:fillRect/>
-          </a:stretch>
-        </p:blipFill>
-        <p:spPr>
-          <a:xfrm>
-            <a:off x="9411854" y="864108"/>
-            <a:ext cx="1638300" cy="2286000"/>
-          </a:xfrm>
-          <a:prstGeom prst="rect">
-            <a:avLst/>
-          </a:prstGeom>
-        </p:spPr>
-      </p:pic>
-      <p:sp>
-        <p:nvSpPr>
-          <p:cNvPr id="6" name="Elipse 5"/>
-          <p:cNvSpPr/>
-          <p:nvPr/>
-        </p:nvSpPr>
-        <p:spPr>
-          <a:xfrm>
-            <a:off x="9048971" y="1686274"/>
-            <a:ext cx="514350" cy="445770"/>
-          </a:xfrm>
-          <a:prstGeom prst="ellipse">
-            <a:avLst/>
-          </a:prstGeom>
-        </p:spPr>
-        <p:style>
-          <a:lnRef idx="2">
-            <a:schemeClr val="accent1">
-              <a:shade val="50000"/>
-            </a:schemeClr>
-          </a:lnRef>
-          <a:fillRef idx="1">
-            <a:schemeClr val="accent1"/>
-          </a:fillRef>
-          <a:effectRef idx="0">
-            <a:schemeClr val="accent1"/>
-          </a:effectRef>
-          <a:fontRef idx="minor">
-            <a:schemeClr val="lt1"/>
-          </a:fontRef>
-        </p:style>
-        <p:txBody>
-          <a:bodyPr rtlCol="0" anchor="ctr"/>
-          <a:lstStyle/>
-          <a:p>
-            <a:pPr algn="ctr"/>
-            <a:r>
-              <a:rPr lang="es-ES" dirty="0">
-                <a:latin typeface="Calibri" panose="020F0502020204030204" pitchFamily="34" charset="0"/>
-              </a:rPr>
-              <a:t>3</a:t>
-            </a:r>
-          </a:p>
-        </p:txBody>
-      </p:sp>
-      <p:sp>
-        <p:nvSpPr>
-          <p:cNvPr id="5" name="Elipse 4"/>
-          <p:cNvSpPr/>
-          <p:nvPr/>
-        </p:nvSpPr>
-        <p:spPr>
-          <a:xfrm>
-            <a:off x="10792979" y="900952"/>
-            <a:ext cx="514350" cy="445770"/>
-          </a:xfrm>
-          <a:prstGeom prst="ellipse">
-            <a:avLst/>
-          </a:prstGeom>
-        </p:spPr>
-        <p:style>
-          <a:lnRef idx="2">
-            <a:schemeClr val="accent1">
-              <a:shade val="50000"/>
-            </a:schemeClr>
-          </a:lnRef>
-          <a:fillRef idx="1">
-            <a:schemeClr val="accent1"/>
-          </a:fillRef>
-          <a:effectRef idx="0">
-            <a:schemeClr val="accent1"/>
-          </a:effectRef>
-          <a:fontRef idx="minor">
-            <a:schemeClr val="lt1"/>
-          </a:fontRef>
-        </p:style>
-        <p:txBody>
-          <a:bodyPr rtlCol="0" anchor="ctr"/>
-          <a:lstStyle/>
-          <a:p>
-            <a:pPr algn="ctr"/>
-            <a:r>
-              <a:rPr lang="es-ES" dirty="0">
-                <a:latin typeface="Calibri" panose="020F0502020204030204" pitchFamily="34" charset="0"/>
-              </a:rPr>
-              <a:t>2</a:t>
-            </a:r>
-          </a:p>
-        </p:txBody>
-      </p:sp>
-      <p:pic>
-        <p:nvPicPr>
-          <p:cNvPr id="14" name="Imagen 13"/>
-          <p:cNvPicPr>
-            <a:picLocks noChangeAspect="1"/>
-          </p:cNvPicPr>
-          <p:nvPr/>
-        </p:nvPicPr>
-        <p:blipFill>
-          <a:blip r:embed="rId4"/>
-          <a:stretch>
-            <a:fillRect/>
-          </a:stretch>
-        </p:blipFill>
-        <p:spPr>
-          <a:xfrm>
-            <a:off x="6731184" y="2553143"/>
-            <a:ext cx="4981575" cy="1943100"/>
-          </a:xfrm>
-          <a:prstGeom prst="rect">
-            <a:avLst/>
-          </a:prstGeom>
-        </p:spPr>
-      </p:pic>
-      <p:sp>
-        <p:nvSpPr>
-          <p:cNvPr id="8" name="Elipse 7"/>
-          <p:cNvSpPr/>
-          <p:nvPr/>
-        </p:nvSpPr>
-        <p:spPr>
-          <a:xfrm>
-            <a:off x="8640329" y="2927457"/>
-            <a:ext cx="514350" cy="445770"/>
-          </a:xfrm>
-          <a:prstGeom prst="ellipse">
-            <a:avLst/>
-          </a:prstGeom>
-        </p:spPr>
-        <p:style>
-          <a:lnRef idx="2">
-            <a:schemeClr val="accent1">
-              <a:shade val="50000"/>
-            </a:schemeClr>
-          </a:lnRef>
-          <a:fillRef idx="1">
-            <a:schemeClr val="accent1"/>
-          </a:fillRef>
-          <a:effectRef idx="0">
-            <a:schemeClr val="accent1"/>
-          </a:effectRef>
-          <a:fontRef idx="minor">
-            <a:schemeClr val="lt1"/>
-          </a:fontRef>
-        </p:style>
-        <p:txBody>
-          <a:bodyPr rtlCol="0" anchor="ctr"/>
-          <a:lstStyle/>
-          <a:p>
-            <a:pPr algn="ctr"/>
-            <a:r>
-              <a:rPr lang="es-ES" dirty="0">
-                <a:latin typeface="Calibri" panose="020F0502020204030204" pitchFamily="34" charset="0"/>
-              </a:rPr>
-              <a:t>4</a:t>
-            </a:r>
-          </a:p>
-        </p:txBody>
-      </p:sp>
-      <p:sp>
-        <p:nvSpPr>
-          <p:cNvPr id="9" name="Elipse 8"/>
-          <p:cNvSpPr/>
-          <p:nvPr/>
-        </p:nvSpPr>
-        <p:spPr>
-          <a:xfrm>
-            <a:off x="9716654" y="3524693"/>
-            <a:ext cx="514350" cy="445770"/>
-          </a:xfrm>
-          <a:prstGeom prst="ellipse">
-            <a:avLst/>
-          </a:prstGeom>
-        </p:spPr>
-        <p:style>
-          <a:lnRef idx="2">
-            <a:schemeClr val="accent1">
-              <a:shade val="50000"/>
-            </a:schemeClr>
-          </a:lnRef>
-          <a:fillRef idx="1">
-            <a:schemeClr val="accent1"/>
-          </a:fillRef>
-          <a:effectRef idx="0">
-            <a:schemeClr val="accent1"/>
-          </a:effectRef>
-          <a:fontRef idx="minor">
-            <a:schemeClr val="lt1"/>
-          </a:fontRef>
-        </p:style>
-        <p:txBody>
-          <a:bodyPr rtlCol="0" anchor="ctr"/>
-          <a:lstStyle/>
-          <a:p>
-            <a:pPr algn="ctr"/>
-            <a:r>
-              <a:rPr lang="es-ES" dirty="0">
-                <a:latin typeface="Calibri" panose="020F0502020204030204" pitchFamily="34" charset="0"/>
-              </a:rPr>
-              <a:t>5</a:t>
-            </a:r>
-          </a:p>
-        </p:txBody>
-      </p:sp>
-      <p:sp>
-        <p:nvSpPr>
-          <p:cNvPr id="15" name="Cerrar llave 14"/>
-          <p:cNvSpPr/>
-          <p:nvPr/>
-        </p:nvSpPr>
-        <p:spPr>
-          <a:xfrm rot="5400000">
-            <a:off x="8538947" y="2564638"/>
-            <a:ext cx="531629" cy="3977178"/>
-          </a:xfrm>
-          <a:prstGeom prst="rightBrace">
-            <a:avLst>
-              <a:gd name="adj1" fmla="val 8333"/>
-              <a:gd name="adj2" fmla="val 49465"/>
-            </a:avLst>
-          </a:prstGeom>
-          <a:ln w="38100"/>
-        </p:spPr>
-        <p:style>
-          <a:lnRef idx="1">
-            <a:schemeClr val="accent1"/>
-          </a:lnRef>
-          <a:fillRef idx="0">
-            <a:schemeClr val="accent1"/>
-          </a:fillRef>
-          <a:effectRef idx="0">
-            <a:schemeClr val="accent1"/>
-          </a:effectRef>
-          <a:fontRef idx="minor">
-            <a:schemeClr val="tx1"/>
-          </a:fontRef>
-        </p:style>
-        <p:txBody>
-          <a:bodyPr rtlCol="0" anchor="ctr"/>
-          <a:lstStyle/>
-          <a:p>
-            <a:pPr algn="ctr"/>
-            <a:endParaRPr lang="es-ES"/>
-          </a:p>
-        </p:txBody>
-      </p:sp>
-      <p:sp>
-        <p:nvSpPr>
-          <p:cNvPr id="10" name="Elipse 9"/>
-          <p:cNvSpPr/>
-          <p:nvPr/>
-        </p:nvSpPr>
-        <p:spPr>
-          <a:xfrm>
-            <a:off x="9973829" y="4282794"/>
-            <a:ext cx="514350" cy="445770"/>
-          </a:xfrm>
-          <a:prstGeom prst="ellipse">
-            <a:avLst/>
-          </a:prstGeom>
-        </p:spPr>
-        <p:style>
-          <a:lnRef idx="2">
-            <a:schemeClr val="accent1">
-              <a:shade val="50000"/>
-            </a:schemeClr>
-          </a:lnRef>
-          <a:fillRef idx="1">
-            <a:schemeClr val="accent1"/>
-          </a:fillRef>
-          <a:effectRef idx="0">
-            <a:schemeClr val="accent1"/>
-          </a:effectRef>
-          <a:fontRef idx="minor">
-            <a:schemeClr val="lt1"/>
-          </a:fontRef>
-        </p:style>
-        <p:txBody>
-          <a:bodyPr rtlCol="0" anchor="ctr"/>
-          <a:lstStyle/>
-          <a:p>
-            <a:pPr algn="ctr"/>
-            <a:r>
-              <a:rPr lang="es-ES" dirty="0">
-                <a:latin typeface="Calibri" panose="020F0502020204030204" pitchFamily="34" charset="0"/>
-              </a:rPr>
-              <a:t>6</a:t>
-            </a:r>
-          </a:p>
-        </p:txBody>
-      </p:sp>
-      <p:sp>
-        <p:nvSpPr>
-          <p:cNvPr id="16" name="Elipse 15"/>
-          <p:cNvSpPr/>
-          <p:nvPr/>
-        </p:nvSpPr>
-        <p:spPr>
-          <a:xfrm>
-            <a:off x="8547586" y="4832996"/>
-            <a:ext cx="514350" cy="445770"/>
-          </a:xfrm>
-          <a:prstGeom prst="ellipse">
-            <a:avLst/>
-          </a:prstGeom>
-        </p:spPr>
-        <p:style>
-          <a:lnRef idx="2">
-            <a:schemeClr val="accent1">
-              <a:shade val="50000"/>
-            </a:schemeClr>
-          </a:lnRef>
-          <a:fillRef idx="1">
-            <a:schemeClr val="accent1"/>
-          </a:fillRef>
-          <a:effectRef idx="0">
-            <a:schemeClr val="accent1"/>
-          </a:effectRef>
-          <a:fontRef idx="minor">
-            <a:schemeClr val="lt1"/>
-          </a:fontRef>
-        </p:style>
-        <p:txBody>
-          <a:bodyPr rtlCol="0" anchor="ctr"/>
-          <a:lstStyle/>
-          <a:p>
-            <a:pPr algn="ctr"/>
-            <a:r>
-              <a:rPr lang="es-ES" dirty="0">
-                <a:latin typeface="Calibri" panose="020F0502020204030204" pitchFamily="34" charset="0"/>
-              </a:rPr>
-              <a:t>7</a:t>
-            </a:r>
-          </a:p>
-        </p:txBody>
-      </p:sp>
-      <p:sp>
-        <p:nvSpPr>
-          <p:cNvPr id="17" name="Elipse 16"/>
-          <p:cNvSpPr/>
-          <p:nvPr/>
-        </p:nvSpPr>
-        <p:spPr>
-          <a:xfrm>
-            <a:off x="11098523" y="4370380"/>
-            <a:ext cx="514350" cy="445770"/>
-          </a:xfrm>
-          <a:prstGeom prst="ellipse">
-            <a:avLst/>
-          </a:prstGeom>
-        </p:spPr>
-        <p:style>
-          <a:lnRef idx="2">
-            <a:schemeClr val="accent1">
-              <a:shade val="50000"/>
-            </a:schemeClr>
-          </a:lnRef>
-          <a:fillRef idx="1">
-            <a:schemeClr val="accent1"/>
-          </a:fillRef>
-          <a:effectRef idx="0">
-            <a:schemeClr val="accent1"/>
-          </a:effectRef>
-          <a:fontRef idx="minor">
-            <a:schemeClr val="lt1"/>
-          </a:fontRef>
-        </p:style>
-        <p:txBody>
-          <a:bodyPr rtlCol="0" anchor="ctr"/>
-          <a:lstStyle/>
-          <a:p>
-            <a:pPr algn="ctr"/>
-            <a:r>
-              <a:rPr lang="es-ES" dirty="0">
-                <a:latin typeface="Calibri" panose="020F0502020204030204" pitchFamily="34" charset="0"/>
-              </a:rPr>
-              <a:t>8</a:t>
-            </a:r>
-          </a:p>
-        </p:txBody>
-      </p:sp>
-    </p:spTree>
-    <p:extLst>
-      <p:ext uri="{BB962C8B-B14F-4D97-AF65-F5344CB8AC3E}">
-        <p14:creationId xmlns:p14="http://schemas.microsoft.com/office/powerpoint/2010/main" val="4076963563"/>
       </p:ext>
     </p:extLst>
   </p:cSld>
@@ -33814,6 +34097,12 @@
 </file>
 
 <file path=customXml/item1.xml><?xml version="1.0" encoding="utf-8"?>
+<p:properties xmlns:p="http://schemas.microsoft.com/office/2006/metadata/properties" xmlns:xsi="http://www.w3.org/2001/XMLSchema-instance" xmlns:pc="http://schemas.microsoft.com/office/infopath/2007/PartnerControls">
+  <documentManagement/>
+</p:properties>
+</file>
+
+<file path=customXml/item2.xml><?xml version="1.0" encoding="utf-8"?>
 <?mso-contentType ?>
 <FormTemplates xmlns="http://schemas.microsoft.com/sharepoint/v3/contenttype/forms">
   <Display>DocumentLibraryForm</Display>
@@ -33822,7 +34111,7 @@
 </FormTemplates>
 </file>
 
-<file path=customXml/item2.xml><?xml version="1.0" encoding="utf-8"?>
+<file path=customXml/item3.xml><?xml version="1.0" encoding="utf-8"?>
 <ct:contentTypeSchema xmlns:ct="http://schemas.microsoft.com/office/2006/metadata/contentType" xmlns:ma="http://schemas.microsoft.com/office/2006/metadata/properties/metaAttributes" ct:_="" ma:_="" ma:contentTypeName="Documento" ma:contentTypeID="0x01010081B17DBF3930DD469333A217E75AF0A2" ma:contentTypeVersion="8" ma:contentTypeDescription="Crear nuevo documento." ma:contentTypeScope="" ma:versionID="6203f59de42db5a27378340a394f16e1">
   <xsd:schema xmlns:xsd="http://www.w3.org/2001/XMLSchema" xmlns:xs="http://www.w3.org/2001/XMLSchema" xmlns:p="http://schemas.microsoft.com/office/2006/metadata/properties" xmlns:ns3="03bf4703-0721-4729-8bf4-46374152f8a9" targetNamespace="http://schemas.microsoft.com/office/2006/metadata/properties" ma:root="true" ma:fieldsID="eb6e48f0a91fb89c1dff014af3f49baa" ns3:_="">
     <xsd:import namespace="03bf4703-0721-4729-8bf4-46374152f8a9"/>
@@ -33992,13 +34281,23 @@
 </ct:contentTypeSchema>
 </file>
 
-<file path=customXml/item3.xml><?xml version="1.0" encoding="utf-8"?>
-<p:properties xmlns:p="http://schemas.microsoft.com/office/2006/metadata/properties" xmlns:xsi="http://www.w3.org/2001/XMLSchema-instance" xmlns:pc="http://schemas.microsoft.com/office/infopath/2007/PartnerControls">
-  <documentManagement/>
-</p:properties>
+<file path=customXml/itemProps1.xml><?xml version="1.0" encoding="utf-8"?>
+<ds:datastoreItem xmlns:ds="http://schemas.openxmlformats.org/officeDocument/2006/customXml" ds:itemID="{EC10C37F-A1CA-42F3-B164-934BB44E56F2}">
+  <ds:schemaRefs>
+    <ds:schemaRef ds:uri="http://www.w3.org/XML/1998/namespace"/>
+    <ds:schemaRef ds:uri="http://purl.org/dc/terms/"/>
+    <ds:schemaRef ds:uri="http://purl.org/dc/elements/1.1/"/>
+    <ds:schemaRef ds:uri="03bf4703-0721-4729-8bf4-46374152f8a9"/>
+    <ds:schemaRef ds:uri="http://schemas.microsoft.com/office/2006/metadata/properties"/>
+    <ds:schemaRef ds:uri="http://schemas.microsoft.com/office/2006/documentManagement/types"/>
+    <ds:schemaRef ds:uri="http://schemas.microsoft.com/office/infopath/2007/PartnerControls"/>
+    <ds:schemaRef ds:uri="http://schemas.openxmlformats.org/package/2006/metadata/core-properties"/>
+    <ds:schemaRef ds:uri="http://purl.org/dc/dcmitype/"/>
+  </ds:schemaRefs>
+</ds:datastoreItem>
 </file>
 
-<file path=customXml/itemProps1.xml><?xml version="1.0" encoding="utf-8"?>
+<file path=customXml/itemProps2.xml><?xml version="1.0" encoding="utf-8"?>
 <ds:datastoreItem xmlns:ds="http://schemas.openxmlformats.org/officeDocument/2006/customXml" ds:itemID="{1178AEC6-AD62-465A-92FC-DABBBC566749}">
   <ds:schemaRefs>
     <ds:schemaRef ds:uri="http://schemas.microsoft.com/sharepoint/v3/contenttype/forms"/>
@@ -34006,7 +34305,7 @@
 </ds:datastoreItem>
 </file>
 
-<file path=customXml/itemProps2.xml><?xml version="1.0" encoding="utf-8"?>
+<file path=customXml/itemProps3.xml><?xml version="1.0" encoding="utf-8"?>
 <ds:datastoreItem xmlns:ds="http://schemas.openxmlformats.org/officeDocument/2006/customXml" ds:itemID="{799ACC4D-F295-41DD-ABF8-61FE32B8B44D}">
   <ds:schemaRefs>
     <ds:schemaRef ds:uri="http://schemas.microsoft.com/office/2006/metadata/contentType"/>
@@ -34022,20 +34321,4 @@
     <ds:schemaRef ds:uri="http://schemas.microsoft.com/internal/obd"/>
   </ds:schemaRefs>
 </ds:datastoreItem>
-</file>
-
-<file path=customXml/itemProps3.xml><?xml version="1.0" encoding="utf-8"?>
-<ds:datastoreItem xmlns:ds="http://schemas.openxmlformats.org/officeDocument/2006/customXml" ds:itemID="{EC10C37F-A1CA-42F3-B164-934BB44E56F2}">
-  <ds:schemaRefs>
-    <ds:schemaRef ds:uri="http://www.w3.org/XML/1998/namespace"/>
-    <ds:schemaRef ds:uri="http://purl.org/dc/terms/"/>
-    <ds:schemaRef ds:uri="http://purl.org/dc/elements/1.1/"/>
-    <ds:schemaRef ds:uri="03bf4703-0721-4729-8bf4-46374152f8a9"/>
-    <ds:schemaRef ds:uri="http://schemas.microsoft.com/office/2006/metadata/properties"/>
-    <ds:schemaRef ds:uri="http://schemas.microsoft.com/office/2006/documentManagement/types"/>
-    <ds:schemaRef ds:uri="http://schemas.microsoft.com/office/infopath/2007/PartnerControls"/>
-    <ds:schemaRef ds:uri="http://schemas.openxmlformats.org/package/2006/metadata/core-properties"/>
-    <ds:schemaRef ds:uri="http://purl.org/dc/dcmitype/"/>
-  </ds:schemaRefs>
-</ds:datastoreItem>
 </file>